--- a/건축설계2/3주차(금)/발표자료.pptx
+++ b/건축설계2/3주차(금)/발표자료.pptx
@@ -2,20 +2,21 @@
 <file path=ppt/presentation.xml><?xml version="1.0" encoding="utf-8"?>
 <p:presentation xmlns:r="http://schemas.openxmlformats.org/officeDocument/2006/relationships" xmlns:c="http://schemas.openxmlformats.org/drawingml/2006/chart" xmlns:a="http://schemas.openxmlformats.org/drawingml/2006/main" xmlns:dgm="http://schemas.openxmlformats.org/drawingml/2006/diagram" xmlns:dsp="http://schemas.microsoft.com/office/drawing/2008/diagram" xmlns:p="http://schemas.openxmlformats.org/presentationml/2006/main">
   <p:sldMasterIdLst>
-    <p:sldMasterId id="2147483727" r:id="rId1"/>
+    <p:sldMasterId id="2147483726" r:id="rId1"/>
   </p:sldMasterIdLst>
   <p:notesMasterIdLst>
     <p:notesMasterId r:id="rId2"/>
   </p:notesMasterIdLst>
   <p:sldIdLst>
     <p:sldId id="256" r:id="rId3"/>
-    <p:sldId id="257" r:id="rId4"/>
-    <p:sldId id="258" r:id="rId5"/>
-    <p:sldId id="260" r:id="rId6"/>
-    <p:sldId id="261" r:id="rId7"/>
-    <p:sldId id="262" r:id="rId8"/>
-    <p:sldId id="263" r:id="rId9"/>
-    <p:sldId id="264" r:id="rId10"/>
+    <p:sldId id="265" r:id="rId4"/>
+    <p:sldId id="257" r:id="rId5"/>
+    <p:sldId id="258" r:id="rId6"/>
+    <p:sldId id="260" r:id="rId7"/>
+    <p:sldId id="261" r:id="rId8"/>
+    <p:sldId id="262" r:id="rId9"/>
+    <p:sldId id="263" r:id="rId10"/>
+    <p:sldId id="264" r:id="rId11"/>
   </p:sldIdLst>
   <p:sldSz cx="12192000" cy="6858000"/>
   <p:notesSz cx="6858000" cy="9144000"/>
@@ -212,7 +213,7 @@
               <a:pPr lvl="0">
                 <a:defRPr/>
               </a:pPr>
-              <a:t>2023-09-18</a:t>
+              <a:t>2023-09-19</a:t>
             </a:fld>
             <a:endParaRPr lang="ko-KR" altLang="en-US"/>
           </a:p>
@@ -596,7 +597,7 @@
               <a:pPr lvl="0">
                 <a:defRPr/>
               </a:pPr>
-              <a:t>2</a:t>
+              <a:t>3</a:t>
             </a:fld>
             <a:endParaRPr lang="en-US" altLang="en-US"/>
           </a:p>
@@ -698,7 +699,7 @@
               <a:pPr lvl="0">
                 <a:defRPr/>
               </a:pPr>
-              <a:t>3</a:t>
+              <a:t>4</a:t>
             </a:fld>
             <a:endParaRPr lang="en-US" altLang="en-US"/>
           </a:p>
@@ -800,7 +801,7 @@
               <a:pPr lvl="0">
                 <a:defRPr/>
               </a:pPr>
-              <a:t>4</a:t>
+              <a:t>5</a:t>
             </a:fld>
             <a:endParaRPr lang="en-US" altLang="en-US"/>
           </a:p>
@@ -4003,297 +4004,301 @@
           <a:chExt cx="0" cy="0"/>
         </a:xfrm>
       </p:grpSpPr>
-      <p:sp>
-        <p:nvSpPr>
-          <p:cNvPr id="25" name=""/>
-          <p:cNvSpPr txBox="1"/>
+      <p:pic>
+        <p:nvPicPr>
+          <p:cNvPr id="6" name=""/>
+          <p:cNvPicPr>
+            <a:picLocks noChangeAspect="1"/>
+          </p:cNvPicPr>
           <p:nvPr/>
-        </p:nvSpPr>
-        <p:spPr>
-          <a:xfrm>
-            <a:off x="1526162" y="1259897"/>
-            <a:ext cx="1947518" cy="394682"/>
+        </p:nvPicPr>
+        <p:blipFill rotWithShape="1">
+          <a:blip r:embed="rId2"/>
+          <a:srcRect t="14000"/>
+          <a:stretch>
+            <a:fillRect/>
+          </a:stretch>
+        </p:blipFill>
+        <p:spPr>
+          <a:xfrm>
+            <a:off x="661785" y="0"/>
+            <a:ext cx="6204337" cy="6858000"/>
           </a:xfrm>
           <a:prstGeom prst="rect">
             <a:avLst/>
           </a:prstGeom>
         </p:spPr>
-        <p:txBody>
-          <a:bodyPr wrap="square">
-            <a:spAutoFit/>
-          </a:bodyPr>
-          <a:p>
-            <a:pPr algn="ctr">
-              <a:defRPr/>
-            </a:pPr>
-            <a:r>
-              <a:rPr lang="ko-KR" altLang="en-US" sz="2000"/>
-              <a:t>점묘화</a:t>
-            </a:r>
-            <a:endParaRPr lang="ko-KR" altLang="en-US" sz="2000"/>
-          </a:p>
-        </p:txBody>
-      </p:sp>
-      <p:sp>
-        <p:nvSpPr>
-          <p:cNvPr id="26" name=""/>
-          <p:cNvSpPr txBox="1"/>
+      </p:pic>
+      <p:sp>
+        <p:nvSpPr>
+          <p:cNvPr id="7" name=""/>
+          <p:cNvSpPr/>
           <p:nvPr/>
         </p:nvSpPr>
         <p:spPr>
           <a:xfrm>
-            <a:off x="2141824" y="4209184"/>
-            <a:ext cx="1947518" cy="394682"/>
+            <a:off x="204576" y="2330648"/>
+            <a:ext cx="6661546" cy="1244203"/>
           </a:xfrm>
           <a:prstGeom prst="rect">
             <a:avLst/>
           </a:prstGeom>
-        </p:spPr>
-        <p:txBody>
-          <a:bodyPr wrap="square">
-            <a:spAutoFit/>
-          </a:bodyPr>
-          <a:lstStyle/>
-          <a:p>
-            <a:pPr algn="ctr">
-              <a:defRPr/>
-            </a:pPr>
-            <a:r>
-              <a:rPr lang="ko-KR" altLang="en-US" sz="2000"/>
-              <a:t>밝은 색조</a:t>
-            </a:r>
-            <a:endParaRPr lang="ko-KR" altLang="en-US" sz="2000"/>
-          </a:p>
-        </p:txBody>
-      </p:sp>
-      <p:sp>
-        <p:nvSpPr>
-          <p:cNvPr id="27" name=""/>
-          <p:cNvSpPr txBox="1"/>
-          <p:nvPr/>
-        </p:nvSpPr>
-        <p:spPr>
-          <a:xfrm>
-            <a:off x="7957269" y="1976091"/>
-            <a:ext cx="1947518" cy="394682"/>
-          </a:xfrm>
-          <a:prstGeom prst="rect">
-            <a:avLst/>
-          </a:prstGeom>
-        </p:spPr>
-        <p:txBody>
-          <a:bodyPr wrap="square">
-            <a:spAutoFit/>
-          </a:bodyPr>
-          <a:lstStyle/>
-          <a:p>
-            <a:pPr algn="ctr">
-              <a:defRPr/>
-            </a:pPr>
-            <a:r>
-              <a:rPr lang="ko-KR" altLang="en-US" sz="2000"/>
-              <a:t>빛을 통한 혼합</a:t>
-            </a:r>
-            <a:endParaRPr lang="ko-KR" altLang="en-US" sz="2000"/>
-          </a:p>
-        </p:txBody>
-      </p:sp>
-      <p:sp>
-        <p:nvSpPr>
-          <p:cNvPr id="28" name=""/>
-          <p:cNvSpPr txBox="1"/>
-          <p:nvPr/>
-        </p:nvSpPr>
-        <p:spPr>
-          <a:xfrm>
-            <a:off x="7692301" y="4997161"/>
-            <a:ext cx="1947518" cy="394682"/>
-          </a:xfrm>
-          <a:prstGeom prst="rect">
-            <a:avLst/>
-          </a:prstGeom>
-        </p:spPr>
-        <p:txBody>
-          <a:bodyPr wrap="square">
-            <a:spAutoFit/>
-          </a:bodyPr>
-          <a:lstStyle/>
-          <a:p>
-            <a:pPr algn="ctr">
-              <a:defRPr/>
-            </a:pPr>
-            <a:r>
-              <a:rPr lang="ko-KR" altLang="en-US" sz="2000"/>
-              <a:t>독튼한 점묘법</a:t>
-            </a:r>
-            <a:endParaRPr lang="ko-KR" altLang="en-US" sz="2000"/>
-          </a:p>
-        </p:txBody>
-      </p:sp>
-      <p:cxnSp>
-        <p:nvCxnSpPr>
-          <p:cNvPr id="29" name=""/>
-          <p:cNvCxnSpPr/>
-          <p:nvPr/>
-        </p:nvCxnSpPr>
-        <p:spPr>
-          <a:xfrm>
-            <a:off x="2963575" y="1580284"/>
-            <a:ext cx="2589067" cy="1177636"/>
-          </a:xfrm>
-          <a:prstGeom prst="line">
-            <a:avLst/>
-          </a:prstGeom>
-          <a:ln w="28575">
+          <a:solidFill>
+            <a:schemeClr val="lt1"/>
+          </a:solidFill>
+          <a:ln>
             <a:solidFill>
-              <a:srgbClr val="404040"/>
+              <a:schemeClr val="lt1"/>
             </a:solidFill>
           </a:ln>
         </p:spPr>
         <p:style>
-          <a:lnRef idx="1">
-            <a:schemeClr val="accent1"/>
+          <a:lnRef idx="2">
+            <a:schemeClr val="accent1">
+              <a:shade val="20000"/>
+            </a:schemeClr>
           </a:lnRef>
-          <a:fillRef idx="0">
+          <a:fillRef idx="1">
             <a:schemeClr val="accent1"/>
           </a:fillRef>
           <a:effectRef idx="0">
             <a:schemeClr val="accent1"/>
           </a:effectRef>
           <a:fontRef idx="minor">
-            <a:schemeClr val="tx1"/>
+            <a:schemeClr val="lt1"/>
           </a:fontRef>
         </p:style>
-      </p:cxnSp>
-      <p:cxnSp>
-        <p:nvCxnSpPr>
-          <p:cNvPr id="30" name=""/>
-          <p:cNvCxnSpPr/>
+        <p:txBody>
+          <a:bodyPr anchor="ctr"/>
+          <a:p>
+            <a:pPr algn="ctr">
+              <a:defRPr/>
+            </a:pPr>
+            <a:endParaRPr lang="ko-KR" altLang="en-US"/>
+          </a:p>
+        </p:txBody>
+      </p:sp>
+      <p:sp>
+        <p:nvSpPr>
+          <p:cNvPr id="8" name=""/>
+          <p:cNvSpPr txBox="1"/>
           <p:nvPr/>
-        </p:nvCxnSpPr>
-        <p:spPr>
-          <a:xfrm flipV="1">
-            <a:off x="3790517" y="3853295"/>
-            <a:ext cx="2108488" cy="553229"/>
-          </a:xfrm>
-          <a:prstGeom prst="line">
-            <a:avLst/>
-          </a:prstGeom>
-          <a:ln w="28575">
-            <a:solidFill>
-              <a:srgbClr val="404040"/>
-            </a:solidFill>
-          </a:ln>
-        </p:spPr>
-        <p:style>
-          <a:lnRef idx="1">
-            <a:schemeClr val="accent1"/>
-          </a:lnRef>
-          <a:fillRef idx="0">
-            <a:schemeClr val="accent1"/>
-          </a:fillRef>
-          <a:effectRef idx="0">
-            <a:schemeClr val="accent1"/>
-          </a:effectRef>
-          <a:fontRef idx="minor">
-            <a:schemeClr val="tx1"/>
-          </a:fontRef>
-        </p:style>
-      </p:cxnSp>
-      <p:cxnSp>
-        <p:nvCxnSpPr>
-          <p:cNvPr id="31" name=""/>
-          <p:cNvCxnSpPr/>
-          <p:nvPr/>
-        </p:nvCxnSpPr>
-        <p:spPr>
-          <a:xfrm rot="10800000">
-            <a:off x="6704301" y="4129910"/>
-            <a:ext cx="988000" cy="867255"/>
-          </a:xfrm>
-          <a:prstGeom prst="line">
-            <a:avLst/>
-          </a:prstGeom>
-          <a:ln w="28575">
-            <a:solidFill>
-              <a:srgbClr val="404040"/>
-            </a:solidFill>
-          </a:ln>
-        </p:spPr>
-        <p:style>
-          <a:lnRef idx="1">
-            <a:schemeClr val="accent1"/>
-          </a:lnRef>
-          <a:fillRef idx="0">
-            <a:schemeClr val="accent1"/>
-          </a:fillRef>
-          <a:effectRef idx="0">
-            <a:schemeClr val="accent1"/>
-          </a:effectRef>
-          <a:fontRef idx="minor">
-            <a:schemeClr val="tx1"/>
-          </a:fontRef>
-        </p:style>
-      </p:cxnSp>
-      <p:cxnSp>
-        <p:nvCxnSpPr>
-          <p:cNvPr id="32" name=""/>
-          <p:cNvCxnSpPr/>
-          <p:nvPr/>
-        </p:nvCxnSpPr>
-        <p:spPr>
-          <a:xfrm rot="10800000" flipV="1">
-            <a:off x="6366596" y="2268683"/>
-            <a:ext cx="1679863" cy="593146"/>
-          </a:xfrm>
-          <a:prstGeom prst="line">
-            <a:avLst/>
-          </a:prstGeom>
-          <a:ln w="28575">
-            <a:solidFill>
-              <a:srgbClr val="404040"/>
-            </a:solidFill>
-          </a:ln>
-        </p:spPr>
-        <p:style>
-          <a:lnRef idx="1">
-            <a:schemeClr val="accent1"/>
-          </a:lnRef>
-          <a:fillRef idx="0">
-            <a:schemeClr val="accent1"/>
-          </a:fillRef>
-          <a:effectRef idx="0">
-            <a:schemeClr val="accent1"/>
-          </a:effectRef>
-          <a:fontRef idx="minor">
-            <a:schemeClr val="tx1"/>
-          </a:fontRef>
-        </p:style>
-      </p:cxnSp>
-      <p:pic>
-        <p:nvPicPr>
-          <p:cNvPr id="24" name=""/>
-          <p:cNvPicPr>
-            <a:picLocks noChangeAspect="1"/>
-          </p:cNvPicPr>
-          <p:nvPr/>
-        </p:nvPicPr>
-        <p:blipFill rotWithShape="1">
-          <a:blip r:embed="rId3"/>
-          <a:stretch>
-            <a:fillRect/>
-          </a:stretch>
-        </p:blipFill>
-        <p:spPr>
-          <a:xfrm>
-            <a:off x="5339219" y="2173432"/>
-            <a:ext cx="1513561" cy="2511136"/>
+        </p:nvSpPr>
+        <p:spPr>
+          <a:xfrm>
+            <a:off x="6583800" y="1910359"/>
+            <a:ext cx="4739590" cy="3135986"/>
           </a:xfrm>
           <a:prstGeom prst="rect">
             <a:avLst/>
           </a:prstGeom>
         </p:spPr>
-      </p:pic>
+        <p:txBody>
+          <a:bodyPr vert="horz" wrap="square" lIns="91440" tIns="45720" rIns="91440" bIns="45720" anchor="t">
+            <a:spAutoFit/>
+          </a:bodyPr>
+          <a:lstStyle/>
+          <a:p>
+            <a:pPr>
+              <a:lnSpc>
+                <a:spcPct val="160000"/>
+              </a:lnSpc>
+              <a:spcBef>
+                <a:spcPts val="0"/>
+              </a:spcBef>
+              <a:defRPr/>
+            </a:pPr>
+            <a:r>
+              <a:rPr lang="ko-KR" altLang="en-US" sz="2000" b="1">
+                <a:solidFill>
+                  <a:schemeClr val="tx1"/>
+                </a:solidFill>
+                <a:effectLst/>
+              </a:rPr>
+              <a:t>기존 방향성</a:t>
+            </a:r>
+            <a:endParaRPr lang="ko-KR" altLang="en-US" sz="2000" b="1">
+              <a:solidFill>
+                <a:schemeClr val="tx1"/>
+              </a:solidFill>
+              <a:effectLst/>
+            </a:endParaRPr>
+          </a:p>
+          <a:p>
+            <a:pPr>
+              <a:lnSpc>
+                <a:spcPct val="160000"/>
+              </a:lnSpc>
+              <a:spcBef>
+                <a:spcPts val="0"/>
+              </a:spcBef>
+              <a:defRPr/>
+            </a:pPr>
+            <a:r>
+              <a:rPr lang="ko-KR" altLang="en-US" sz="1500" b="0">
+                <a:solidFill>
+                  <a:schemeClr val="tx1"/>
+                </a:solidFill>
+                <a:effectLst/>
+              </a:rPr>
+              <a:t> 영롱쌓기를 한 벽돌벽과 보조벽 사리의 거리가 주는 </a:t>
+            </a:r>
+            <a:endParaRPr lang="ko-KR" altLang="en-US" sz="1500" b="0">
+              <a:solidFill>
+                <a:schemeClr val="tx1"/>
+              </a:solidFill>
+              <a:effectLst/>
+            </a:endParaRPr>
+          </a:p>
+          <a:p>
+            <a:pPr>
+              <a:lnSpc>
+                <a:spcPct val="160000"/>
+              </a:lnSpc>
+              <a:spcBef>
+                <a:spcPts val="0"/>
+              </a:spcBef>
+              <a:defRPr/>
+            </a:pPr>
+            <a:r>
+              <a:rPr lang="ko-KR" altLang="en-US" sz="1500" b="0">
+                <a:solidFill>
+                  <a:schemeClr val="tx1"/>
+                </a:solidFill>
+                <a:effectLst/>
+              </a:rPr>
+              <a:t>감상의 차이를 이용하여 연출</a:t>
+            </a:r>
+            <a:endParaRPr lang="ko-KR" altLang="en-US" sz="1500" b="0">
+              <a:solidFill>
+                <a:schemeClr val="tx1"/>
+              </a:solidFill>
+              <a:effectLst/>
+            </a:endParaRPr>
+          </a:p>
+          <a:p>
+            <a:pPr>
+              <a:lnSpc>
+                <a:spcPct val="160000"/>
+              </a:lnSpc>
+              <a:spcBef>
+                <a:spcPts val="0"/>
+              </a:spcBef>
+              <a:defRPr/>
+            </a:pPr>
+            <a:r>
+              <a:rPr lang="ko-KR" altLang="en-US" sz="1500" b="0">
+                <a:solidFill>
+                  <a:schemeClr val="tx1"/>
+                </a:solidFill>
+                <a:effectLst/>
+              </a:rPr>
+              <a:t>빛의 투과를 이중 벽으로 조절하여 공간감을 컨트롤</a:t>
+            </a:r>
+            <a:endParaRPr lang="ko-KR" altLang="en-US" sz="1500" b="0">
+              <a:solidFill>
+                <a:schemeClr val="tx1"/>
+              </a:solidFill>
+              <a:effectLst/>
+            </a:endParaRPr>
+          </a:p>
+          <a:p>
+            <a:pPr>
+              <a:lnSpc>
+                <a:spcPct val="160000"/>
+              </a:lnSpc>
+              <a:spcBef>
+                <a:spcPts val="0"/>
+              </a:spcBef>
+              <a:defRPr/>
+            </a:pPr>
+            <a:endParaRPr lang="ko-KR" altLang="en-US" sz="1500" b="0">
+              <a:solidFill>
+                <a:schemeClr val="tx1"/>
+              </a:solidFill>
+              <a:effectLst/>
+            </a:endParaRPr>
+          </a:p>
+          <a:p>
+            <a:pPr>
+              <a:lnSpc>
+                <a:spcPct val="160000"/>
+              </a:lnSpc>
+              <a:spcBef>
+                <a:spcPts val="0"/>
+              </a:spcBef>
+              <a:defRPr/>
+            </a:pPr>
+            <a:r>
+              <a:rPr lang="ko-KR" altLang="en-US" sz="1500" b="0">
+                <a:solidFill>
+                  <a:schemeClr val="tx1"/>
+                </a:solidFill>
+                <a:effectLst/>
+              </a:rPr>
+              <a:t>지나치게 평면적으로 생각하고만 있고</a:t>
+            </a:r>
+            <a:endParaRPr lang="ko-KR" altLang="en-US" sz="1500" b="0">
+              <a:solidFill>
+                <a:schemeClr val="tx1"/>
+              </a:solidFill>
+              <a:effectLst/>
+            </a:endParaRPr>
+          </a:p>
+          <a:p>
+            <a:pPr>
+              <a:lnSpc>
+                <a:spcPct val="160000"/>
+              </a:lnSpc>
+              <a:spcBef>
+                <a:spcPts val="0"/>
+              </a:spcBef>
+              <a:defRPr/>
+            </a:pPr>
+            <a:r>
+              <a:rPr lang="ko-KR" altLang="en-US" sz="1500" b="0">
+                <a:solidFill>
+                  <a:schemeClr val="tx1"/>
+                </a:solidFill>
+                <a:effectLst/>
+              </a:rPr>
+              <a:t>벽돌을 쌓아서 벽으로 만들다는게 건축적인 요소를</a:t>
+            </a:r>
+            <a:endParaRPr lang="ko-KR" altLang="en-US" sz="1500" b="0">
+              <a:solidFill>
+                <a:schemeClr val="tx1"/>
+              </a:solidFill>
+              <a:effectLst/>
+            </a:endParaRPr>
+          </a:p>
+          <a:p>
+            <a:pPr>
+              <a:lnSpc>
+                <a:spcPct val="160000"/>
+              </a:lnSpc>
+              <a:spcBef>
+                <a:spcPts val="0"/>
+              </a:spcBef>
+              <a:defRPr/>
+            </a:pPr>
+            <a:r>
+              <a:rPr lang="ko-KR" altLang="en-US" sz="1500" b="0">
+                <a:solidFill>
+                  <a:schemeClr val="tx1"/>
+                </a:solidFill>
+                <a:effectLst/>
+              </a:rPr>
+              <a:t>배제하기에 한계가 있다고 판단</a:t>
+            </a:r>
+            <a:endParaRPr lang="ko-KR" altLang="en-US" sz="1500" b="0">
+              <a:solidFill>
+                <a:schemeClr val="tx1"/>
+              </a:solidFill>
+              <a:effectLst/>
+            </a:endParaRPr>
+          </a:p>
+        </p:txBody>
+      </p:sp>
     </p:spTree>
   </p:cSld>
   <p:clrMapOvr>
@@ -4618,173 +4623,6 @@
           </a:prstGeom>
         </p:spPr>
       </p:pic>
-      <p:sp>
-        <p:nvSpPr>
-          <p:cNvPr id="33" name=""/>
-          <p:cNvSpPr txBox="1"/>
-          <p:nvPr/>
-        </p:nvSpPr>
-        <p:spPr>
-          <a:xfrm>
-            <a:off x="1526162" y="1580284"/>
-            <a:ext cx="1947518" cy="319175"/>
-          </a:xfrm>
-          <a:prstGeom prst="rect">
-            <a:avLst/>
-          </a:prstGeom>
-        </p:spPr>
-        <p:txBody>
-          <a:bodyPr wrap="square">
-            <a:spAutoFit/>
-          </a:bodyPr>
-          <a:p>
-            <a:pPr algn="ctr">
-              <a:defRPr/>
-            </a:pPr>
-            <a:r>
-              <a:rPr lang="en-US" altLang="ko-KR" sz="1500" b="1">
-                <a:solidFill>
-                  <a:srgbClr val="bf0000"/>
-                </a:solidFill>
-              </a:rPr>
-              <a:t>(</a:t>
-            </a:r>
-            <a:r>
-              <a:rPr lang="ko-KR" altLang="en-US" sz="1500" b="1">
-                <a:solidFill>
-                  <a:srgbClr val="bf0000"/>
-                </a:solidFill>
-              </a:rPr>
-              <a:t>벽돌</a:t>
-            </a:r>
-            <a:r>
-              <a:rPr lang="en-US" altLang="ko-KR" sz="1500" b="1">
-                <a:solidFill>
-                  <a:srgbClr val="bf0000"/>
-                </a:solidFill>
-              </a:rPr>
-              <a:t>)</a:t>
-            </a:r>
-            <a:endParaRPr lang="en-US" altLang="ko-KR" sz="1500" b="1">
-              <a:solidFill>
-                <a:srgbClr val="bf0000"/>
-              </a:solidFill>
-            </a:endParaRPr>
-          </a:p>
-        </p:txBody>
-      </p:sp>
-      <p:sp>
-        <p:nvSpPr>
-          <p:cNvPr id="34" name=""/>
-          <p:cNvSpPr txBox="1"/>
-          <p:nvPr/>
-        </p:nvSpPr>
-        <p:spPr>
-          <a:xfrm>
-            <a:off x="7500012" y="5326208"/>
-            <a:ext cx="2332096" cy="310687"/>
-          </a:xfrm>
-          <a:prstGeom prst="rect">
-            <a:avLst/>
-          </a:prstGeom>
-        </p:spPr>
-        <p:txBody>
-          <a:bodyPr wrap="square">
-            <a:spAutoFit/>
-          </a:bodyPr>
-          <a:lstStyle/>
-          <a:p>
-            <a:pPr algn="ctr">
-              <a:defRPr/>
-            </a:pPr>
-            <a:r>
-              <a:rPr lang="en-US" altLang="ko-KR" sz="1500" b="1">
-                <a:solidFill>
-                  <a:srgbClr val="bf0000"/>
-                </a:solidFill>
-              </a:rPr>
-              <a:t>(</a:t>
-            </a:r>
-            <a:r>
-              <a:rPr lang="ko-KR" altLang="en-US" sz="1500" b="1">
-                <a:solidFill>
-                  <a:srgbClr val="bf0000"/>
-                </a:solidFill>
-              </a:rPr>
-              <a:t>빛 이외의 공간감 표현</a:t>
-            </a:r>
-            <a:r>
-              <a:rPr lang="en-US" altLang="ko-KR" sz="1500" b="1">
-                <a:solidFill>
-                  <a:srgbClr val="bf0000"/>
-                </a:solidFill>
-              </a:rPr>
-              <a:t>)</a:t>
-            </a:r>
-            <a:endParaRPr lang="en-US" altLang="ko-KR" sz="1500" b="1">
-              <a:solidFill>
-                <a:srgbClr val="bf0000"/>
-              </a:solidFill>
-            </a:endParaRPr>
-          </a:p>
-        </p:txBody>
-      </p:sp>
-      <p:sp>
-        <p:nvSpPr>
-          <p:cNvPr id="35" name=""/>
-          <p:cNvSpPr txBox="1"/>
-          <p:nvPr/>
-        </p:nvSpPr>
-        <p:spPr>
-          <a:xfrm>
-            <a:off x="7957269" y="2325833"/>
-            <a:ext cx="1947518" cy="319175"/>
-          </a:xfrm>
-          <a:prstGeom prst="rect">
-            <a:avLst/>
-          </a:prstGeom>
-        </p:spPr>
-        <p:txBody>
-          <a:bodyPr wrap="square">
-            <a:spAutoFit/>
-          </a:bodyPr>
-          <a:lstStyle/>
-          <a:p>
-            <a:pPr algn="ctr">
-              <a:defRPr/>
-            </a:pPr>
-            <a:r>
-              <a:rPr lang="en-US" altLang="ko-KR" sz="1500" b="1">
-                <a:solidFill>
-                  <a:srgbClr val="bf0000"/>
-                </a:solidFill>
-              </a:rPr>
-              <a:t>(</a:t>
-            </a:r>
-            <a:r>
-              <a:rPr lang="ko-KR" altLang="en-US" sz="1500" b="1">
-                <a:solidFill>
-                  <a:srgbClr val="bf0000"/>
-                </a:solidFill>
-              </a:rPr>
-              <a:t>틈을 통한 빛의 유입</a:t>
-            </a:r>
-            <a:r>
-              <a:rPr lang="en-US" altLang="ko-KR" sz="1500" b="1">
-                <a:solidFill>
-                  <a:srgbClr val="bf0000"/>
-                </a:solidFill>
-              </a:rPr>
-              <a:t>)</a:t>
-            </a:r>
-            <a:endParaRPr lang="en-US" altLang="ko-KR" sz="1500" b="1">
-              <a:solidFill>
-                <a:srgbClr val="bf0000"/>
-              </a:solidFill>
-            </a:endParaRPr>
-          </a:p>
-        </p:txBody>
-      </p:sp>
     </p:spTree>
   </p:cSld>
   <p:clrMapOvr>
@@ -5166,14 +5004,14 @@
       </p:sp>
       <p:sp>
         <p:nvSpPr>
-          <p:cNvPr id="35" name=""/>
+          <p:cNvPr id="34" name=""/>
           <p:cNvSpPr txBox="1"/>
           <p:nvPr/>
         </p:nvSpPr>
         <p:spPr>
           <a:xfrm>
-            <a:off x="7957269" y="2325833"/>
-            <a:ext cx="1947518" cy="319175"/>
+            <a:off x="7500012" y="5326208"/>
+            <a:ext cx="2332096" cy="310687"/>
           </a:xfrm>
           <a:prstGeom prst="rect">
             <a:avLst/>
@@ -5202,7 +5040,7 @@
                   <a:srgbClr val="bf0000"/>
                 </a:solidFill>
               </a:rPr>
-              <a:t>틈을 통한 빛의 유입</a:t>
+              <a:t>빛 이외의 공간감 표현</a:t>
             </a:r>
             <a:r>
               <a:rPr lang="en-US" altLang="ko-KR" sz="1500" b="1">
@@ -5222,342 +5060,14 @@
       </p:sp>
       <p:sp>
         <p:nvSpPr>
-          <p:cNvPr id="36" name=""/>
-          <p:cNvSpPr/>
-          <p:nvPr/>
-        </p:nvSpPr>
-        <p:spPr>
-          <a:xfrm>
-            <a:off x="1276875" y="1084551"/>
-            <a:ext cx="2446091" cy="1400869"/>
-          </a:xfrm>
-          <a:prstGeom prst="donut">
-            <a:avLst>
-              <a:gd name="adj" fmla="val 5526"/>
-            </a:avLst>
-          </a:prstGeom>
-          <a:solidFill>
-            <a:srgbClr val="ffa366"/>
-          </a:solidFill>
-          <a:ln>
-            <a:noFill/>
-          </a:ln>
-        </p:spPr>
-        <p:style>
-          <a:lnRef idx="2">
-            <a:schemeClr val="accent1">
-              <a:shade val="20000"/>
-            </a:schemeClr>
-          </a:lnRef>
-          <a:fillRef idx="1">
-            <a:schemeClr val="accent1"/>
-          </a:fillRef>
-          <a:effectRef idx="0">
-            <a:schemeClr val="accent1"/>
-          </a:effectRef>
-          <a:fontRef idx="minor">
-            <a:schemeClr val="lt1"/>
-          </a:fontRef>
-        </p:style>
-        <p:txBody>
-          <a:bodyPr anchor="ctr"/>
-          <a:p>
-            <a:pPr algn="ctr">
-              <a:defRPr/>
-            </a:pPr>
-            <a:endParaRPr lang="ko-KR" altLang="en-US">
-              <a:solidFill>
-                <a:schemeClr val="tx1"/>
-              </a:solidFill>
-            </a:endParaRPr>
-          </a:p>
-        </p:txBody>
-      </p:sp>
-      <p:sp>
-        <p:nvSpPr>
-          <p:cNvPr id="37" name=""/>
-          <p:cNvSpPr/>
-          <p:nvPr/>
-        </p:nvSpPr>
-        <p:spPr>
-          <a:xfrm>
-            <a:off x="1968558" y="3961752"/>
-            <a:ext cx="2294049" cy="1130092"/>
-          </a:xfrm>
-          <a:prstGeom prst="donut">
-            <a:avLst>
-              <a:gd name="adj" fmla="val 7031"/>
-            </a:avLst>
-          </a:prstGeom>
-          <a:solidFill>
-            <a:srgbClr val="ffa366"/>
-          </a:solidFill>
-          <a:ln>
-            <a:noFill/>
-          </a:ln>
-        </p:spPr>
-        <p:style>
-          <a:lnRef idx="2">
-            <a:schemeClr val="accent1">
-              <a:shade val="20000"/>
-            </a:schemeClr>
-          </a:lnRef>
-          <a:fillRef idx="1">
-            <a:schemeClr val="accent1"/>
-          </a:fillRef>
-          <a:effectRef idx="0">
-            <a:schemeClr val="accent1"/>
-          </a:effectRef>
-          <a:fontRef idx="minor">
-            <a:schemeClr val="lt1"/>
-          </a:fontRef>
-        </p:style>
-        <p:txBody>
-          <a:bodyPr anchor="ctr"/>
-          <a:lstStyle/>
-          <a:p>
-            <a:pPr algn="ctr">
-              <a:defRPr/>
-            </a:pPr>
-            <a:endParaRPr lang="ko-KR" altLang="en-US">
-              <a:solidFill>
-                <a:schemeClr val="tx1"/>
-              </a:solidFill>
-            </a:endParaRPr>
-          </a:p>
-        </p:txBody>
-      </p:sp>
-      <p:sp>
-        <p:nvSpPr>
-          <p:cNvPr id="38" name=""/>
+          <p:cNvPr id="35" name=""/>
           <p:cNvSpPr txBox="1"/>
           <p:nvPr/>
         </p:nvSpPr>
         <p:spPr>
           <a:xfrm>
-            <a:off x="1209325" y="1854257"/>
-            <a:ext cx="2581192" cy="315538"/>
-          </a:xfrm>
-          <a:prstGeom prst="rect">
-            <a:avLst/>
-          </a:prstGeom>
-        </p:spPr>
-        <p:txBody>
-          <a:bodyPr wrap="square">
-            <a:spAutoFit/>
-          </a:bodyPr>
-          <a:p>
-            <a:pPr algn="ctr">
-              <a:defRPr/>
-            </a:pPr>
-            <a:r>
-              <a:rPr lang="en-US" altLang="ko-KR" sz="1500" b="1">
-                <a:solidFill>
-                  <a:srgbClr val="4040ff"/>
-                </a:solidFill>
-              </a:rPr>
-              <a:t>(</a:t>
-            </a:r>
-            <a:r>
-              <a:rPr lang="ko-KR" altLang="en-US" sz="1500" b="1">
-                <a:solidFill>
-                  <a:srgbClr val="4040ff"/>
-                </a:solidFill>
-              </a:rPr>
-              <a:t>제각기 다른 점의 크기</a:t>
-            </a:r>
-            <a:r>
-              <a:rPr lang="en-US" altLang="ko-KR" sz="1500" b="1">
-                <a:solidFill>
-                  <a:srgbClr val="4040ff"/>
-                </a:solidFill>
-              </a:rPr>
-              <a:t>)</a:t>
-            </a:r>
-            <a:endParaRPr lang="en-US" altLang="ko-KR" sz="1500" b="1">
-              <a:solidFill>
-                <a:srgbClr val="4040ff"/>
-              </a:solidFill>
-            </a:endParaRPr>
-          </a:p>
-        </p:txBody>
-      </p:sp>
-      <p:sp>
-        <p:nvSpPr>
-          <p:cNvPr id="39" name=""/>
-          <p:cNvSpPr txBox="1"/>
-          <p:nvPr/>
-        </p:nvSpPr>
-        <p:spPr>
-          <a:xfrm>
-            <a:off x="1824987" y="4526799"/>
-            <a:ext cx="2581192" cy="319521"/>
-          </a:xfrm>
-          <a:prstGeom prst="rect">
-            <a:avLst/>
-          </a:prstGeom>
-        </p:spPr>
-        <p:txBody>
-          <a:bodyPr wrap="square">
-            <a:spAutoFit/>
-          </a:bodyPr>
-          <a:lstStyle/>
-          <a:p>
-            <a:pPr algn="ctr">
-              <a:defRPr/>
-            </a:pPr>
-            <a:r>
-              <a:rPr lang="en-US" altLang="ko-KR" sz="1500" b="1">
-                <a:solidFill>
-                  <a:srgbClr val="4040ff"/>
-                </a:solidFill>
-              </a:rPr>
-              <a:t>(</a:t>
-            </a:r>
-            <a:r>
-              <a:rPr lang="ko-KR" altLang="en-US" sz="1500" b="1">
-                <a:solidFill>
-                  <a:srgbClr val="4040ff"/>
-                </a:solidFill>
-              </a:rPr>
-              <a:t>댜양한 재질</a:t>
-            </a:r>
-            <a:r>
-              <a:rPr lang="en-US" altLang="ko-KR" sz="1500" b="1">
-                <a:solidFill>
-                  <a:srgbClr val="4040ff"/>
-                </a:solidFill>
-              </a:rPr>
-              <a:t>)</a:t>
-            </a:r>
-            <a:endParaRPr lang="en-US" altLang="ko-KR" sz="1500" b="1">
-              <a:solidFill>
-                <a:srgbClr val="4040ff"/>
-              </a:solidFill>
-            </a:endParaRPr>
-          </a:p>
-        </p:txBody>
-      </p:sp>
-      <p:sp>
-        <p:nvSpPr>
-          <p:cNvPr id="40" name=""/>
-          <p:cNvSpPr/>
-          <p:nvPr/>
-        </p:nvSpPr>
-        <p:spPr>
-          <a:xfrm>
-            <a:off x="7784003" y="1611202"/>
-            <a:ext cx="2294049" cy="1519141"/>
-          </a:xfrm>
-          <a:prstGeom prst="donut">
-            <a:avLst>
-              <a:gd name="adj" fmla="val 5273"/>
-            </a:avLst>
-          </a:prstGeom>
-          <a:solidFill>
-            <a:srgbClr val="ffa366"/>
-          </a:solidFill>
-          <a:ln>
-            <a:noFill/>
-          </a:ln>
-        </p:spPr>
-        <p:style>
-          <a:lnRef idx="2">
-            <a:schemeClr val="accent1">
-              <a:shade val="20000"/>
-            </a:schemeClr>
-          </a:lnRef>
-          <a:fillRef idx="1">
-            <a:schemeClr val="accent1"/>
-          </a:fillRef>
-          <a:effectRef idx="0">
-            <a:schemeClr val="accent1"/>
-          </a:effectRef>
-          <a:fontRef idx="minor">
-            <a:schemeClr val="lt1"/>
-          </a:fontRef>
-        </p:style>
-        <p:txBody>
-          <a:bodyPr anchor="ctr"/>
-          <a:lstStyle/>
-          <a:p>
-            <a:pPr algn="ctr">
-              <a:defRPr/>
-            </a:pPr>
-            <a:endParaRPr lang="ko-KR" altLang="en-US">
-              <a:solidFill>
-                <a:schemeClr val="tx1"/>
-              </a:solidFill>
-            </a:endParaRPr>
-          </a:p>
-        </p:txBody>
-      </p:sp>
-      <p:sp>
-        <p:nvSpPr>
-          <p:cNvPr id="41" name=""/>
-          <p:cNvSpPr txBox="1"/>
-          <p:nvPr/>
-        </p:nvSpPr>
-        <p:spPr>
-          <a:xfrm>
-            <a:off x="7640432" y="2600151"/>
-            <a:ext cx="2581192" cy="315538"/>
-          </a:xfrm>
-          <a:prstGeom prst="rect">
-            <a:avLst/>
-          </a:prstGeom>
-        </p:spPr>
-        <p:txBody>
-          <a:bodyPr wrap="square">
-            <a:spAutoFit/>
-          </a:bodyPr>
-          <a:lstStyle/>
-          <a:p>
-            <a:pPr algn="ctr">
-              <a:defRPr/>
-            </a:pPr>
-            <a:r>
-              <a:rPr lang="en-US" altLang="ko-KR" sz="1500" b="1">
-                <a:solidFill>
-                  <a:srgbClr val="4040ff"/>
-                </a:solidFill>
-              </a:rPr>
-              <a:t>(</a:t>
-            </a:r>
-            <a:r>
-              <a:rPr lang="ko-KR" altLang="en-US" sz="1500" b="1">
-                <a:solidFill>
-                  <a:srgbClr val="4040ff"/>
-                </a:solidFill>
-              </a:rPr>
-              <a:t>뒤엉킨 메스</a:t>
-            </a:r>
-            <a:r>
-              <a:rPr lang="en-US" altLang="ko-KR" sz="1500" b="1">
-                <a:solidFill>
-                  <a:srgbClr val="4040ff"/>
-                </a:solidFill>
-              </a:rPr>
-              <a:t>)</a:t>
-            </a:r>
-            <a:endParaRPr lang="en-US" altLang="ko-KR" sz="1500" b="1">
-              <a:solidFill>
-                <a:srgbClr val="4040ff"/>
-              </a:solidFill>
-            </a:endParaRPr>
-          </a:p>
-        </p:txBody>
-      </p:sp>
-      <p:sp>
-        <p:nvSpPr>
-          <p:cNvPr id="42" name=""/>
-          <p:cNvSpPr txBox="1"/>
-          <p:nvPr/>
-        </p:nvSpPr>
-        <p:spPr>
-          <a:xfrm>
-            <a:off x="7500012" y="5326208"/>
-            <a:ext cx="2332096" cy="310687"/>
+            <a:off x="7957269" y="2325833"/>
+            <a:ext cx="1947518" cy="319175"/>
           </a:xfrm>
           <a:prstGeom prst="rect">
             <a:avLst/>
@@ -5586,7 +5096,7 @@
                   <a:srgbClr val="bf0000"/>
                 </a:solidFill>
               </a:rPr>
-              <a:t>빛 이외의 공간감 표현</a:t>
+              <a:t>틈을 통한 빛의 유입</a:t>
             </a:r>
             <a:r>
               <a:rPr lang="en-US" altLang="ko-KR" sz="1500" b="1">
@@ -5639,14 +5149,14 @@
       </p:grpSpPr>
       <p:sp>
         <p:nvSpPr>
-          <p:cNvPr id="4" name=""/>
+          <p:cNvPr id="25" name=""/>
           <p:cNvSpPr txBox="1"/>
           <p:nvPr/>
         </p:nvSpPr>
         <p:spPr>
           <a:xfrm>
-            <a:off x="2000839" y="1890337"/>
-            <a:ext cx="2581192" cy="315538"/>
+            <a:off x="1526162" y="1259897"/>
+            <a:ext cx="1947518" cy="394682"/>
           </a:xfrm>
           <a:prstGeom prst="rect">
             <a:avLst/>
@@ -5656,53 +5166,28 @@
           <a:bodyPr wrap="square">
             <a:spAutoFit/>
           </a:bodyPr>
-          <a:lstStyle/>
           <a:p>
             <a:pPr algn="ctr">
               <a:defRPr/>
             </a:pPr>
             <a:r>
-              <a:rPr lang="en-US" altLang="ko-KR" sz="1500" b="1">
-                <a:solidFill>
-                  <a:srgbClr val="4040ff"/>
-                </a:solidFill>
-              </a:rPr>
-              <a:t>(</a:t>
-            </a:r>
-            <a:r>
-              <a:rPr lang="ko-KR" altLang="en-US" sz="1500" b="1">
-                <a:solidFill>
-                  <a:srgbClr val="4040ff"/>
-                </a:solidFill>
-              </a:rPr>
-              <a:t>제각기 다른 점의 크기</a:t>
-            </a:r>
-            <a:r>
-              <a:rPr lang="en-US" altLang="ko-KR" sz="1500" b="1">
-                <a:solidFill>
-                  <a:srgbClr val="4040ff"/>
-                </a:solidFill>
-              </a:rPr>
-              <a:t>)</a:t>
-            </a:r>
-            <a:endParaRPr lang="en-US" altLang="ko-KR" sz="1500" b="1">
-              <a:solidFill>
-                <a:srgbClr val="4040ff"/>
-              </a:solidFill>
-            </a:endParaRPr>
-          </a:p>
-        </p:txBody>
-      </p:sp>
-      <p:sp>
-        <p:nvSpPr>
-          <p:cNvPr id="5" name=""/>
+              <a:rPr lang="ko-KR" altLang="en-US" sz="2000"/>
+              <a:t>점묘화</a:t>
+            </a:r>
+            <a:endParaRPr lang="ko-KR" altLang="en-US" sz="2000"/>
+          </a:p>
+        </p:txBody>
+      </p:sp>
+      <p:sp>
+        <p:nvSpPr>
+          <p:cNvPr id="26" name=""/>
           <p:cNvSpPr txBox="1"/>
           <p:nvPr/>
         </p:nvSpPr>
         <p:spPr>
           <a:xfrm>
-            <a:off x="2000839" y="4437645"/>
-            <a:ext cx="2581192" cy="319521"/>
+            <a:off x="2141824" y="4209184"/>
+            <a:ext cx="1947518" cy="394682"/>
           </a:xfrm>
           <a:prstGeom prst="rect">
             <a:avLst/>
@@ -5718,47 +5203,23 @@
               <a:defRPr/>
             </a:pPr>
             <a:r>
-              <a:rPr lang="en-US" altLang="ko-KR" sz="1500" b="1">
-                <a:solidFill>
-                  <a:srgbClr val="4040ff"/>
-                </a:solidFill>
-              </a:rPr>
-              <a:t>(</a:t>
-            </a:r>
-            <a:r>
-              <a:rPr lang="ko-KR" altLang="en-US" sz="1500" b="1">
-                <a:solidFill>
-                  <a:srgbClr val="4040ff"/>
-                </a:solidFill>
-              </a:rPr>
-              <a:t>댜양한 재질</a:t>
-            </a:r>
-            <a:r>
-              <a:rPr lang="en-US" altLang="ko-KR" sz="1500" b="1">
-                <a:solidFill>
-                  <a:srgbClr val="4040ff"/>
-                </a:solidFill>
-              </a:rPr>
-              <a:t>)</a:t>
-            </a:r>
-            <a:endParaRPr lang="en-US" altLang="ko-KR" sz="1500" b="1">
-              <a:solidFill>
-                <a:srgbClr val="4040ff"/>
-              </a:solidFill>
-            </a:endParaRPr>
-          </a:p>
-        </p:txBody>
-      </p:sp>
-      <p:sp>
-        <p:nvSpPr>
-          <p:cNvPr id="6" name=""/>
+              <a:rPr lang="ko-KR" altLang="en-US" sz="2000"/>
+              <a:t>밝은 색조</a:t>
+            </a:r>
+            <a:endParaRPr lang="ko-KR" altLang="en-US" sz="2000"/>
+          </a:p>
+        </p:txBody>
+      </p:sp>
+      <p:sp>
+        <p:nvSpPr>
+          <p:cNvPr id="27" name=""/>
           <p:cNvSpPr txBox="1"/>
           <p:nvPr/>
         </p:nvSpPr>
         <p:spPr>
           <a:xfrm>
-            <a:off x="2000839" y="3271231"/>
-            <a:ext cx="2581192" cy="315538"/>
+            <a:off x="7957269" y="1976091"/>
+            <a:ext cx="1947518" cy="394682"/>
           </a:xfrm>
           <a:prstGeom prst="rect">
             <a:avLst/>
@@ -5774,47 +5235,23 @@
               <a:defRPr/>
             </a:pPr>
             <a:r>
-              <a:rPr lang="en-US" altLang="ko-KR" sz="1500" b="1">
-                <a:solidFill>
-                  <a:srgbClr val="4040ff"/>
-                </a:solidFill>
-              </a:rPr>
-              <a:t>(</a:t>
-            </a:r>
-            <a:r>
-              <a:rPr lang="ko-KR" altLang="en-US" sz="1500" b="1">
-                <a:solidFill>
-                  <a:srgbClr val="4040ff"/>
-                </a:solidFill>
-              </a:rPr>
-              <a:t>뒤엉킨 메스</a:t>
-            </a:r>
-            <a:r>
-              <a:rPr lang="en-US" altLang="ko-KR" sz="1500" b="1">
-                <a:solidFill>
-                  <a:srgbClr val="4040ff"/>
-                </a:solidFill>
-              </a:rPr>
-              <a:t>)</a:t>
-            </a:r>
-            <a:endParaRPr lang="en-US" altLang="ko-KR" sz="1500" b="1">
-              <a:solidFill>
-                <a:srgbClr val="4040ff"/>
-              </a:solidFill>
-            </a:endParaRPr>
-          </a:p>
-        </p:txBody>
-      </p:sp>
-      <p:sp>
-        <p:nvSpPr>
-          <p:cNvPr id="7" name=""/>
+              <a:rPr lang="ko-KR" altLang="en-US" sz="2000"/>
+              <a:t>빛을 통한 혼합</a:t>
+            </a:r>
+            <a:endParaRPr lang="ko-KR" altLang="en-US" sz="2000"/>
+          </a:p>
+        </p:txBody>
+      </p:sp>
+      <p:sp>
+        <p:nvSpPr>
+          <p:cNvPr id="28" name=""/>
           <p:cNvSpPr txBox="1"/>
           <p:nvPr/>
         </p:nvSpPr>
         <p:spPr>
           <a:xfrm>
-            <a:off x="2317676" y="1616364"/>
-            <a:ext cx="1947518" cy="319175"/>
+            <a:off x="7692301" y="4997161"/>
+            <a:ext cx="1947518" cy="394682"/>
           </a:xfrm>
           <a:prstGeom prst="rect">
             <a:avLst/>
@@ -5825,6 +5262,201 @@
             <a:spAutoFit/>
           </a:bodyPr>
           <a:lstStyle/>
+          <a:p>
+            <a:pPr algn="ctr">
+              <a:defRPr/>
+            </a:pPr>
+            <a:r>
+              <a:rPr lang="ko-KR" altLang="en-US" sz="2000"/>
+              <a:t>독튼한 점묘법</a:t>
+            </a:r>
+            <a:endParaRPr lang="ko-KR" altLang="en-US" sz="2000"/>
+          </a:p>
+        </p:txBody>
+      </p:sp>
+      <p:cxnSp>
+        <p:nvCxnSpPr>
+          <p:cNvPr id="29" name=""/>
+          <p:cNvCxnSpPr/>
+          <p:nvPr/>
+        </p:nvCxnSpPr>
+        <p:spPr>
+          <a:xfrm>
+            <a:off x="2963575" y="1580284"/>
+            <a:ext cx="2589067" cy="1177636"/>
+          </a:xfrm>
+          <a:prstGeom prst="line">
+            <a:avLst/>
+          </a:prstGeom>
+          <a:ln w="28575">
+            <a:solidFill>
+              <a:srgbClr val="404040"/>
+            </a:solidFill>
+          </a:ln>
+        </p:spPr>
+        <p:style>
+          <a:lnRef idx="1">
+            <a:schemeClr val="accent1"/>
+          </a:lnRef>
+          <a:fillRef idx="0">
+            <a:schemeClr val="accent1"/>
+          </a:fillRef>
+          <a:effectRef idx="0">
+            <a:schemeClr val="accent1"/>
+          </a:effectRef>
+          <a:fontRef idx="minor">
+            <a:schemeClr val="tx1"/>
+          </a:fontRef>
+        </p:style>
+      </p:cxnSp>
+      <p:cxnSp>
+        <p:nvCxnSpPr>
+          <p:cNvPr id="30" name=""/>
+          <p:cNvCxnSpPr/>
+          <p:nvPr/>
+        </p:nvCxnSpPr>
+        <p:spPr>
+          <a:xfrm flipV="1">
+            <a:off x="3790517" y="3853295"/>
+            <a:ext cx="2108488" cy="553229"/>
+          </a:xfrm>
+          <a:prstGeom prst="line">
+            <a:avLst/>
+          </a:prstGeom>
+          <a:ln w="28575">
+            <a:solidFill>
+              <a:srgbClr val="404040"/>
+            </a:solidFill>
+          </a:ln>
+        </p:spPr>
+        <p:style>
+          <a:lnRef idx="1">
+            <a:schemeClr val="accent1"/>
+          </a:lnRef>
+          <a:fillRef idx="0">
+            <a:schemeClr val="accent1"/>
+          </a:fillRef>
+          <a:effectRef idx="0">
+            <a:schemeClr val="accent1"/>
+          </a:effectRef>
+          <a:fontRef idx="minor">
+            <a:schemeClr val="tx1"/>
+          </a:fontRef>
+        </p:style>
+      </p:cxnSp>
+      <p:cxnSp>
+        <p:nvCxnSpPr>
+          <p:cNvPr id="31" name=""/>
+          <p:cNvCxnSpPr/>
+          <p:nvPr/>
+        </p:nvCxnSpPr>
+        <p:spPr>
+          <a:xfrm rot="10800000">
+            <a:off x="6704301" y="4129910"/>
+            <a:ext cx="988000" cy="867255"/>
+          </a:xfrm>
+          <a:prstGeom prst="line">
+            <a:avLst/>
+          </a:prstGeom>
+          <a:ln w="28575">
+            <a:solidFill>
+              <a:srgbClr val="404040"/>
+            </a:solidFill>
+          </a:ln>
+        </p:spPr>
+        <p:style>
+          <a:lnRef idx="1">
+            <a:schemeClr val="accent1"/>
+          </a:lnRef>
+          <a:fillRef idx="0">
+            <a:schemeClr val="accent1"/>
+          </a:fillRef>
+          <a:effectRef idx="0">
+            <a:schemeClr val="accent1"/>
+          </a:effectRef>
+          <a:fontRef idx="minor">
+            <a:schemeClr val="tx1"/>
+          </a:fontRef>
+        </p:style>
+      </p:cxnSp>
+      <p:cxnSp>
+        <p:nvCxnSpPr>
+          <p:cNvPr id="32" name=""/>
+          <p:cNvCxnSpPr/>
+          <p:nvPr/>
+        </p:nvCxnSpPr>
+        <p:spPr>
+          <a:xfrm rot="10800000" flipV="1">
+            <a:off x="6366596" y="2268683"/>
+            <a:ext cx="1679863" cy="593146"/>
+          </a:xfrm>
+          <a:prstGeom prst="line">
+            <a:avLst/>
+          </a:prstGeom>
+          <a:ln w="28575">
+            <a:solidFill>
+              <a:srgbClr val="404040"/>
+            </a:solidFill>
+          </a:ln>
+        </p:spPr>
+        <p:style>
+          <a:lnRef idx="1">
+            <a:schemeClr val="accent1"/>
+          </a:lnRef>
+          <a:fillRef idx="0">
+            <a:schemeClr val="accent1"/>
+          </a:fillRef>
+          <a:effectRef idx="0">
+            <a:schemeClr val="accent1"/>
+          </a:effectRef>
+          <a:fontRef idx="minor">
+            <a:schemeClr val="tx1"/>
+          </a:fontRef>
+        </p:style>
+      </p:cxnSp>
+      <p:pic>
+        <p:nvPicPr>
+          <p:cNvPr id="24" name=""/>
+          <p:cNvPicPr>
+            <a:picLocks noChangeAspect="1"/>
+          </p:cNvPicPr>
+          <p:nvPr/>
+        </p:nvPicPr>
+        <p:blipFill rotWithShape="1">
+          <a:blip r:embed="rId3"/>
+          <a:stretch>
+            <a:fillRect/>
+          </a:stretch>
+        </p:blipFill>
+        <p:spPr>
+          <a:xfrm>
+            <a:off x="5339219" y="2173432"/>
+            <a:ext cx="1513561" cy="2511136"/>
+          </a:xfrm>
+          <a:prstGeom prst="rect">
+            <a:avLst/>
+          </a:prstGeom>
+        </p:spPr>
+      </p:pic>
+      <p:sp>
+        <p:nvSpPr>
+          <p:cNvPr id="33" name=""/>
+          <p:cNvSpPr txBox="1"/>
+          <p:nvPr/>
+        </p:nvSpPr>
+        <p:spPr>
+          <a:xfrm>
+            <a:off x="1526162" y="1580284"/>
+            <a:ext cx="1947518" cy="319175"/>
+          </a:xfrm>
+          <a:prstGeom prst="rect">
+            <a:avLst/>
+          </a:prstGeom>
+        </p:spPr>
+        <p:txBody>
+          <a:bodyPr wrap="square">
+            <a:spAutoFit/>
+          </a:bodyPr>
           <a:p>
             <a:pPr algn="ctr">
               <a:defRPr/>
@@ -5863,13 +5495,13 @@
       </p:sp>
       <p:sp>
         <p:nvSpPr>
-          <p:cNvPr id="8" name=""/>
+          <p:cNvPr id="35" name=""/>
           <p:cNvSpPr txBox="1"/>
           <p:nvPr/>
         </p:nvSpPr>
         <p:spPr>
           <a:xfrm>
-            <a:off x="2317676" y="2996913"/>
+            <a:off x="7957269" y="2325833"/>
             <a:ext cx="1947518" cy="319175"/>
           </a:xfrm>
           <a:prstGeom prst="rect">
@@ -5919,27 +5551,25 @@
       </p:sp>
       <p:sp>
         <p:nvSpPr>
-          <p:cNvPr id="9" name=""/>
+          <p:cNvPr id="36" name=""/>
           <p:cNvSpPr/>
           <p:nvPr/>
         </p:nvSpPr>
         <p:spPr>
           <a:xfrm>
-            <a:off x="5194926" y="1774199"/>
-            <a:ext cx="567922" cy="322678"/>
-          </a:xfrm>
-          <a:prstGeom prst="chevron">
+            <a:off x="1276875" y="1084551"/>
+            <a:ext cx="2446091" cy="1400869"/>
+          </a:xfrm>
+          <a:prstGeom prst="donut">
             <a:avLst>
-              <a:gd name="adj" fmla="val 50000"/>
+              <a:gd name="adj" fmla="val 5526"/>
             </a:avLst>
           </a:prstGeom>
           <a:solidFill>
-            <a:srgbClr val="808080"/>
+            <a:srgbClr val="ffa366"/>
           </a:solidFill>
           <a:ln>
-            <a:solidFill>
-              <a:srgbClr val="000000"/>
-            </a:solidFill>
+            <a:noFill/>
           </a:ln>
         </p:spPr>
         <p:style>
@@ -5974,27 +5604,25 @@
       </p:sp>
       <p:sp>
         <p:nvSpPr>
-          <p:cNvPr id="10" name=""/>
+          <p:cNvPr id="37" name=""/>
           <p:cNvSpPr/>
           <p:nvPr/>
         </p:nvSpPr>
         <p:spPr>
           <a:xfrm>
-            <a:off x="5194926" y="3154748"/>
-            <a:ext cx="567922" cy="322678"/>
-          </a:xfrm>
-          <a:prstGeom prst="chevron">
+            <a:off x="1968558" y="3961752"/>
+            <a:ext cx="2294049" cy="1130092"/>
+          </a:xfrm>
+          <a:prstGeom prst="donut">
             <a:avLst>
-              <a:gd name="adj" fmla="val 50000"/>
+              <a:gd name="adj" fmla="val 7031"/>
             </a:avLst>
           </a:prstGeom>
           <a:solidFill>
-            <a:srgbClr val="808080"/>
+            <a:srgbClr val="ffa366"/>
           </a:solidFill>
           <a:ln>
-            <a:solidFill>
-              <a:srgbClr val="000000"/>
-            </a:solidFill>
+            <a:noFill/>
           </a:ln>
         </p:spPr>
         <p:style>
@@ -6015,6 +5643,7 @@
         </p:style>
         <p:txBody>
           <a:bodyPr anchor="ctr"/>
+          <a:lstStyle/>
           <a:p>
             <a:pPr algn="ctr">
               <a:defRPr/>
@@ -6029,27 +5658,136 @@
       </p:sp>
       <p:sp>
         <p:nvSpPr>
-          <p:cNvPr id="11" name=""/>
+          <p:cNvPr id="38" name=""/>
+          <p:cNvSpPr txBox="1"/>
+          <p:nvPr/>
+        </p:nvSpPr>
+        <p:spPr>
+          <a:xfrm>
+            <a:off x="1209325" y="1854257"/>
+            <a:ext cx="2581192" cy="315538"/>
+          </a:xfrm>
+          <a:prstGeom prst="rect">
+            <a:avLst/>
+          </a:prstGeom>
+        </p:spPr>
+        <p:txBody>
+          <a:bodyPr wrap="square">
+            <a:spAutoFit/>
+          </a:bodyPr>
+          <a:p>
+            <a:pPr algn="ctr">
+              <a:defRPr/>
+            </a:pPr>
+            <a:r>
+              <a:rPr lang="en-US" altLang="ko-KR" sz="1500" b="1">
+                <a:solidFill>
+                  <a:srgbClr val="4040ff"/>
+                </a:solidFill>
+              </a:rPr>
+              <a:t>(</a:t>
+            </a:r>
+            <a:r>
+              <a:rPr lang="ko-KR" altLang="en-US" sz="1500" b="1">
+                <a:solidFill>
+                  <a:srgbClr val="4040ff"/>
+                </a:solidFill>
+              </a:rPr>
+              <a:t>제각기 다른 점의 크기</a:t>
+            </a:r>
+            <a:r>
+              <a:rPr lang="en-US" altLang="ko-KR" sz="1500" b="1">
+                <a:solidFill>
+                  <a:srgbClr val="4040ff"/>
+                </a:solidFill>
+              </a:rPr>
+              <a:t>)</a:t>
+            </a:r>
+            <a:endParaRPr lang="en-US" altLang="ko-KR" sz="1500" b="1">
+              <a:solidFill>
+                <a:srgbClr val="4040ff"/>
+              </a:solidFill>
+            </a:endParaRPr>
+          </a:p>
+        </p:txBody>
+      </p:sp>
+      <p:sp>
+        <p:nvSpPr>
+          <p:cNvPr id="39" name=""/>
+          <p:cNvSpPr txBox="1"/>
+          <p:nvPr/>
+        </p:nvSpPr>
+        <p:spPr>
+          <a:xfrm>
+            <a:off x="1824987" y="4526799"/>
+            <a:ext cx="2581192" cy="319521"/>
+          </a:xfrm>
+          <a:prstGeom prst="rect">
+            <a:avLst/>
+          </a:prstGeom>
+        </p:spPr>
+        <p:txBody>
+          <a:bodyPr wrap="square">
+            <a:spAutoFit/>
+          </a:bodyPr>
+          <a:lstStyle/>
+          <a:p>
+            <a:pPr algn="ctr">
+              <a:defRPr/>
+            </a:pPr>
+            <a:r>
+              <a:rPr lang="en-US" altLang="ko-KR" sz="1500" b="1">
+                <a:solidFill>
+                  <a:srgbClr val="4040ff"/>
+                </a:solidFill>
+              </a:rPr>
+              <a:t>(</a:t>
+            </a:r>
+            <a:r>
+              <a:rPr lang="ko-KR" altLang="en-US" sz="1500" b="1">
+                <a:solidFill>
+                  <a:srgbClr val="4040ff"/>
+                </a:solidFill>
+              </a:rPr>
+              <a:t>댜양한 재질</a:t>
+            </a:r>
+            <a:r>
+              <a:rPr lang="en-US" altLang="ko-KR" sz="1500" b="1">
+                <a:solidFill>
+                  <a:srgbClr val="4040ff"/>
+                </a:solidFill>
+              </a:rPr>
+              <a:t>)</a:t>
+            </a:r>
+            <a:endParaRPr lang="en-US" altLang="ko-KR" sz="1500" b="1">
+              <a:solidFill>
+                <a:srgbClr val="4040ff"/>
+              </a:solidFill>
+            </a:endParaRPr>
+          </a:p>
+        </p:txBody>
+      </p:sp>
+      <p:sp>
+        <p:nvSpPr>
+          <p:cNvPr id="40" name=""/>
           <p:cNvSpPr/>
           <p:nvPr/>
         </p:nvSpPr>
         <p:spPr>
           <a:xfrm>
-            <a:off x="5194926" y="4409070"/>
-            <a:ext cx="567922" cy="322678"/>
-          </a:xfrm>
-          <a:prstGeom prst="chevron">
+            <a:off x="7784003" y="1611202"/>
+            <a:ext cx="2294049" cy="1519141"/>
+          </a:xfrm>
+          <a:prstGeom prst="donut">
             <a:avLst>
-              <a:gd name="adj" fmla="val 50000"/>
+              <a:gd name="adj" fmla="val 5273"/>
             </a:avLst>
           </a:prstGeom>
           <a:solidFill>
-            <a:srgbClr val="808080"/>
+            <a:srgbClr val="ffa366"/>
           </a:solidFill>
           <a:ln>
-            <a:solidFill>
-              <a:srgbClr val="000000"/>
-            </a:solidFill>
+            <a:noFill/>
           </a:ln>
         </p:spPr>
         <p:style>
@@ -6070,6 +5808,7 @@
         </p:style>
         <p:txBody>
           <a:bodyPr anchor="ctr"/>
+          <a:lstStyle/>
           <a:p>
             <a:pPr algn="ctr">
               <a:defRPr/>
@@ -6084,14 +5823,14 @@
       </p:sp>
       <p:sp>
         <p:nvSpPr>
-          <p:cNvPr id="12" name=""/>
+          <p:cNvPr id="41" name=""/>
           <p:cNvSpPr txBox="1"/>
           <p:nvPr/>
         </p:nvSpPr>
         <p:spPr>
           <a:xfrm>
-            <a:off x="6583802" y="1634015"/>
-            <a:ext cx="3888292" cy="603047"/>
+            <a:off x="7640432" y="2600151"/>
+            <a:ext cx="2581192" cy="315538"/>
           </a:xfrm>
           <a:prstGeom prst="rect">
             <a:avLst/>
@@ -6103,45 +5842,51 @@
           </a:bodyPr>
           <a:lstStyle/>
           <a:p>
-            <a:pPr>
+            <a:pPr algn="ctr">
               <a:defRPr/>
             </a:pPr>
             <a:r>
-              <a:rPr lang="ko-KR" altLang="en-US" sz="1700" b="1">
-                <a:effectLst/>
+              <a:rPr lang="en-US" altLang="ko-KR" sz="1500" b="1">
+                <a:solidFill>
+                  <a:srgbClr val="4040ff"/>
+                </a:solidFill>
               </a:rPr>
-              <a:t>벽돌의 비율만 유지하고 </a:t>
-            </a:r>
-            <a:endParaRPr lang="ko-KR" altLang="en-US" sz="1700" b="1">
-              <a:effectLst/>
+              <a:t>(</a:t>
+            </a:r>
+            <a:r>
+              <a:rPr lang="ko-KR" altLang="en-US" sz="1500" b="1">
+                <a:solidFill>
+                  <a:srgbClr val="4040ff"/>
+                </a:solidFill>
+              </a:rPr>
+              <a:t>뒤엉킨 메스</a:t>
+            </a:r>
+            <a:r>
+              <a:rPr lang="en-US" altLang="ko-KR" sz="1500" b="1">
+                <a:solidFill>
+                  <a:srgbClr val="4040ff"/>
+                </a:solidFill>
+              </a:rPr>
+              <a:t>)</a:t>
+            </a:r>
+            <a:endParaRPr lang="en-US" altLang="ko-KR" sz="1500" b="1">
+              <a:solidFill>
+                <a:srgbClr val="4040ff"/>
+              </a:solidFill>
             </a:endParaRPr>
           </a:p>
-          <a:p>
-            <a:pPr>
-              <a:defRPr/>
-            </a:pPr>
-            <a:r>
-              <a:rPr lang="ko-KR" altLang="en-US" sz="1700" b="1">
-                <a:effectLst/>
-              </a:rPr>
-              <a:t>자유로운 크기의 메스를 사용</a:t>
-            </a:r>
-            <a:endParaRPr lang="ko-KR" altLang="en-US" sz="1700" b="1">
-              <a:effectLst/>
-            </a:endParaRPr>
-          </a:p>
-        </p:txBody>
-      </p:sp>
-      <p:sp>
-        <p:nvSpPr>
-          <p:cNvPr id="13" name=""/>
+        </p:txBody>
+      </p:sp>
+      <p:sp>
+        <p:nvSpPr>
+          <p:cNvPr id="42" name=""/>
           <p:cNvSpPr txBox="1"/>
           <p:nvPr/>
         </p:nvSpPr>
         <p:spPr>
           <a:xfrm>
-            <a:off x="6583802" y="3014564"/>
-            <a:ext cx="3888292" cy="603031"/>
+            <a:off x="7500012" y="5326208"/>
+            <a:ext cx="2332096" cy="310687"/>
           </a:xfrm>
           <a:prstGeom prst="rect">
             <a:avLst/>
@@ -6153,105 +5898,37 @@
           </a:bodyPr>
           <a:lstStyle/>
           <a:p>
-            <a:pPr>
+            <a:pPr algn="ctr">
               <a:defRPr/>
             </a:pPr>
             <a:r>
-              <a:rPr lang="ko-KR" altLang="en-US" sz="1700" b="1">
-                <a:effectLst/>
+              <a:rPr lang="en-US" altLang="ko-KR" sz="1500" b="1">
+                <a:solidFill>
+                  <a:srgbClr val="bf0000"/>
+                </a:solidFill>
               </a:rPr>
-              <a:t>벽돌을 덩어리가 처럼 쌓아서</a:t>
-            </a:r>
-            <a:endParaRPr lang="ko-KR" altLang="en-US" sz="1700" b="1">
-              <a:effectLst/>
-            </a:endParaRPr>
-          </a:p>
-          <a:p>
-            <a:pPr>
-              <a:defRPr/>
-            </a:pPr>
-            <a:r>
-              <a:rPr lang="ko-KR" altLang="en-US" sz="1700" b="1">
-                <a:effectLst/>
+              <a:t>(</a:t>
+            </a:r>
+            <a:r>
+              <a:rPr lang="ko-KR" altLang="en-US" sz="1500" b="1">
+                <a:solidFill>
+                  <a:srgbClr val="bf0000"/>
+                </a:solidFill>
               </a:rPr>
-              <a:t>그 틈을 통해 빛을 유입</a:t>
-            </a:r>
-            <a:endParaRPr lang="ko-KR" altLang="en-US" sz="1700" b="1">
-              <a:effectLst/>
-            </a:endParaRPr>
-          </a:p>
-        </p:txBody>
-      </p:sp>
-      <p:sp>
-        <p:nvSpPr>
-          <p:cNvPr id="14" name=""/>
-          <p:cNvSpPr txBox="1"/>
-          <p:nvPr/>
-        </p:nvSpPr>
-        <p:spPr>
-          <a:xfrm>
-            <a:off x="6583802" y="4268886"/>
-            <a:ext cx="4371250" cy="596484"/>
-          </a:xfrm>
-          <a:prstGeom prst="rect">
-            <a:avLst/>
-          </a:prstGeom>
-        </p:spPr>
-        <p:txBody>
-          <a:bodyPr wrap="square">
-            <a:spAutoFit/>
-          </a:bodyPr>
-          <a:lstStyle/>
-          <a:p>
-            <a:pPr>
-              <a:defRPr/>
-            </a:pPr>
-            <a:r>
-              <a:rPr lang="ko-KR" altLang="en-US" sz="1700" b="1">
-                <a:effectLst/>
+              <a:t>빛 이외의 공간감 표현</a:t>
+            </a:r>
+            <a:r>
+              <a:rPr lang="en-US" altLang="ko-KR" sz="1500" b="1">
+                <a:solidFill>
+                  <a:srgbClr val="bf0000"/>
+                </a:solidFill>
               </a:rPr>
-              <a:t>단순한 벽돌재질인 점토</a:t>
-            </a:r>
-            <a:r>
-              <a:rPr lang="en-US" altLang="ko-KR" sz="1700" b="1">
-                <a:effectLst/>
-              </a:rPr>
-              <a:t>,</a:t>
-            </a:r>
-            <a:r>
-              <a:rPr lang="ko-KR" altLang="en-US" sz="1700" b="1">
-                <a:effectLst/>
-              </a:rPr>
-              <a:t> 콘크리트 뿐 아니라</a:t>
-            </a:r>
-            <a:endParaRPr lang="ko-KR" altLang="en-US" sz="1700" b="1">
-              <a:effectLst/>
-            </a:endParaRPr>
-          </a:p>
-          <a:p>
-            <a:pPr>
-              <a:defRPr/>
-            </a:pPr>
-            <a:r>
-              <a:rPr lang="ko-KR" altLang="en-US" sz="1700" b="1">
-                <a:effectLst/>
-              </a:rPr>
-              <a:t>금속</a:t>
-            </a:r>
-            <a:r>
-              <a:rPr lang="en-US" altLang="ko-KR" sz="1700" b="1">
-                <a:effectLst/>
-              </a:rPr>
-              <a:t>,</a:t>
-            </a:r>
-            <a:r>
-              <a:rPr lang="ko-KR" altLang="en-US" sz="1700" b="1">
-                <a:effectLst/>
-              </a:rPr>
-              <a:t> 유리 등의 빛이 잘 반사되는 재질 사용 </a:t>
-            </a:r>
-            <a:endParaRPr lang="ko-KR" altLang="en-US" sz="1700" b="1">
-              <a:effectLst/>
+              <a:t>)</a:t>
+            </a:r>
+            <a:endParaRPr lang="en-US" altLang="ko-KR" sz="1500" b="1">
+              <a:solidFill>
+                <a:srgbClr val="bf0000"/>
+              </a:solidFill>
             </a:endParaRPr>
           </a:p>
         </p:txBody>
@@ -6289,30 +5966,625 @@
           <a:chExt cx="0" cy="0"/>
         </a:xfrm>
       </p:grpSpPr>
-      <p:pic>
-        <p:nvPicPr>
-          <p:cNvPr id="17" name=""/>
-          <p:cNvPicPr>
-            <a:picLocks noChangeAspect="1"/>
-          </p:cNvPicPr>
+      <p:sp>
+        <p:nvSpPr>
+          <p:cNvPr id="4" name=""/>
+          <p:cNvSpPr txBox="1"/>
           <p:nvPr/>
-        </p:nvPicPr>
-        <p:blipFill rotWithShape="1">
-          <a:blip r:embed="rId2"/>
-          <a:stretch>
-            <a:fillRect/>
-          </a:stretch>
-        </p:blipFill>
-        <p:spPr>
-          <a:xfrm>
-            <a:off x="1997062" y="598972"/>
-            <a:ext cx="8197875" cy="5660056"/>
+        </p:nvSpPr>
+        <p:spPr>
+          <a:xfrm>
+            <a:off x="2000839" y="1890337"/>
+            <a:ext cx="2581192" cy="315538"/>
           </a:xfrm>
           <a:prstGeom prst="rect">
             <a:avLst/>
           </a:prstGeom>
         </p:spPr>
-      </p:pic>
+        <p:txBody>
+          <a:bodyPr wrap="square">
+            <a:spAutoFit/>
+          </a:bodyPr>
+          <a:lstStyle/>
+          <a:p>
+            <a:pPr algn="ctr">
+              <a:defRPr/>
+            </a:pPr>
+            <a:r>
+              <a:rPr lang="en-US" altLang="ko-KR" sz="1500" b="1">
+                <a:solidFill>
+                  <a:srgbClr val="4040ff"/>
+                </a:solidFill>
+              </a:rPr>
+              <a:t>(</a:t>
+            </a:r>
+            <a:r>
+              <a:rPr lang="ko-KR" altLang="en-US" sz="1500" b="1">
+                <a:solidFill>
+                  <a:srgbClr val="4040ff"/>
+                </a:solidFill>
+              </a:rPr>
+              <a:t>제각기 다른 점의 크기</a:t>
+            </a:r>
+            <a:r>
+              <a:rPr lang="en-US" altLang="ko-KR" sz="1500" b="1">
+                <a:solidFill>
+                  <a:srgbClr val="4040ff"/>
+                </a:solidFill>
+              </a:rPr>
+              <a:t>)</a:t>
+            </a:r>
+            <a:endParaRPr lang="en-US" altLang="ko-KR" sz="1500" b="1">
+              <a:solidFill>
+                <a:srgbClr val="4040ff"/>
+              </a:solidFill>
+            </a:endParaRPr>
+          </a:p>
+        </p:txBody>
+      </p:sp>
+      <p:sp>
+        <p:nvSpPr>
+          <p:cNvPr id="5" name=""/>
+          <p:cNvSpPr txBox="1"/>
+          <p:nvPr/>
+        </p:nvSpPr>
+        <p:spPr>
+          <a:xfrm>
+            <a:off x="2000839" y="4437645"/>
+            <a:ext cx="2581192" cy="319521"/>
+          </a:xfrm>
+          <a:prstGeom prst="rect">
+            <a:avLst/>
+          </a:prstGeom>
+        </p:spPr>
+        <p:txBody>
+          <a:bodyPr wrap="square">
+            <a:spAutoFit/>
+          </a:bodyPr>
+          <a:lstStyle/>
+          <a:p>
+            <a:pPr algn="ctr">
+              <a:defRPr/>
+            </a:pPr>
+            <a:r>
+              <a:rPr lang="en-US" altLang="ko-KR" sz="1500" b="1">
+                <a:solidFill>
+                  <a:srgbClr val="4040ff"/>
+                </a:solidFill>
+              </a:rPr>
+              <a:t>(</a:t>
+            </a:r>
+            <a:r>
+              <a:rPr lang="ko-KR" altLang="en-US" sz="1500" b="1">
+                <a:solidFill>
+                  <a:srgbClr val="4040ff"/>
+                </a:solidFill>
+              </a:rPr>
+              <a:t>댜양한 재질</a:t>
+            </a:r>
+            <a:r>
+              <a:rPr lang="en-US" altLang="ko-KR" sz="1500" b="1">
+                <a:solidFill>
+                  <a:srgbClr val="4040ff"/>
+                </a:solidFill>
+              </a:rPr>
+              <a:t>)</a:t>
+            </a:r>
+            <a:endParaRPr lang="en-US" altLang="ko-KR" sz="1500" b="1">
+              <a:solidFill>
+                <a:srgbClr val="4040ff"/>
+              </a:solidFill>
+            </a:endParaRPr>
+          </a:p>
+        </p:txBody>
+      </p:sp>
+      <p:sp>
+        <p:nvSpPr>
+          <p:cNvPr id="6" name=""/>
+          <p:cNvSpPr txBox="1"/>
+          <p:nvPr/>
+        </p:nvSpPr>
+        <p:spPr>
+          <a:xfrm>
+            <a:off x="2000839" y="3271231"/>
+            <a:ext cx="2581192" cy="315538"/>
+          </a:xfrm>
+          <a:prstGeom prst="rect">
+            <a:avLst/>
+          </a:prstGeom>
+        </p:spPr>
+        <p:txBody>
+          <a:bodyPr wrap="square">
+            <a:spAutoFit/>
+          </a:bodyPr>
+          <a:lstStyle/>
+          <a:p>
+            <a:pPr algn="ctr">
+              <a:defRPr/>
+            </a:pPr>
+            <a:r>
+              <a:rPr lang="en-US" altLang="ko-KR" sz="1500" b="1">
+                <a:solidFill>
+                  <a:srgbClr val="4040ff"/>
+                </a:solidFill>
+              </a:rPr>
+              <a:t>(</a:t>
+            </a:r>
+            <a:r>
+              <a:rPr lang="ko-KR" altLang="en-US" sz="1500" b="1">
+                <a:solidFill>
+                  <a:srgbClr val="4040ff"/>
+                </a:solidFill>
+              </a:rPr>
+              <a:t>뒤엉킨 메스</a:t>
+            </a:r>
+            <a:r>
+              <a:rPr lang="en-US" altLang="ko-KR" sz="1500" b="1">
+                <a:solidFill>
+                  <a:srgbClr val="4040ff"/>
+                </a:solidFill>
+              </a:rPr>
+              <a:t>)</a:t>
+            </a:r>
+            <a:endParaRPr lang="en-US" altLang="ko-KR" sz="1500" b="1">
+              <a:solidFill>
+                <a:srgbClr val="4040ff"/>
+              </a:solidFill>
+            </a:endParaRPr>
+          </a:p>
+        </p:txBody>
+      </p:sp>
+      <p:sp>
+        <p:nvSpPr>
+          <p:cNvPr id="7" name=""/>
+          <p:cNvSpPr txBox="1"/>
+          <p:nvPr/>
+        </p:nvSpPr>
+        <p:spPr>
+          <a:xfrm>
+            <a:off x="2317676" y="1616364"/>
+            <a:ext cx="1947518" cy="319175"/>
+          </a:xfrm>
+          <a:prstGeom prst="rect">
+            <a:avLst/>
+          </a:prstGeom>
+        </p:spPr>
+        <p:txBody>
+          <a:bodyPr wrap="square">
+            <a:spAutoFit/>
+          </a:bodyPr>
+          <a:lstStyle/>
+          <a:p>
+            <a:pPr algn="ctr">
+              <a:defRPr/>
+            </a:pPr>
+            <a:r>
+              <a:rPr lang="en-US" altLang="ko-KR" sz="1500" b="1">
+                <a:solidFill>
+                  <a:srgbClr val="bf0000"/>
+                </a:solidFill>
+              </a:rPr>
+              <a:t>(</a:t>
+            </a:r>
+            <a:r>
+              <a:rPr lang="ko-KR" altLang="en-US" sz="1500" b="1">
+                <a:solidFill>
+                  <a:srgbClr val="bf0000"/>
+                </a:solidFill>
+              </a:rPr>
+              <a:t>벽돌</a:t>
+            </a:r>
+            <a:r>
+              <a:rPr lang="en-US" altLang="ko-KR" sz="1500" b="1">
+                <a:solidFill>
+                  <a:srgbClr val="bf0000"/>
+                </a:solidFill>
+              </a:rPr>
+              <a:t>)</a:t>
+            </a:r>
+            <a:endParaRPr lang="en-US" altLang="ko-KR" sz="1500" b="1">
+              <a:solidFill>
+                <a:srgbClr val="bf0000"/>
+              </a:solidFill>
+            </a:endParaRPr>
+          </a:p>
+        </p:txBody>
+      </p:sp>
+      <p:sp>
+        <p:nvSpPr>
+          <p:cNvPr id="8" name=""/>
+          <p:cNvSpPr txBox="1"/>
+          <p:nvPr/>
+        </p:nvSpPr>
+        <p:spPr>
+          <a:xfrm>
+            <a:off x="2317676" y="2996913"/>
+            <a:ext cx="1947518" cy="319175"/>
+          </a:xfrm>
+          <a:prstGeom prst="rect">
+            <a:avLst/>
+          </a:prstGeom>
+        </p:spPr>
+        <p:txBody>
+          <a:bodyPr wrap="square">
+            <a:spAutoFit/>
+          </a:bodyPr>
+          <a:lstStyle/>
+          <a:p>
+            <a:pPr algn="ctr">
+              <a:defRPr/>
+            </a:pPr>
+            <a:r>
+              <a:rPr lang="en-US" altLang="ko-KR" sz="1500" b="1">
+                <a:solidFill>
+                  <a:srgbClr val="bf0000"/>
+                </a:solidFill>
+              </a:rPr>
+              <a:t>(</a:t>
+            </a:r>
+            <a:r>
+              <a:rPr lang="ko-KR" altLang="en-US" sz="1500" b="1">
+                <a:solidFill>
+                  <a:srgbClr val="bf0000"/>
+                </a:solidFill>
+              </a:rPr>
+              <a:t>틈을 통한 빛의 유입</a:t>
+            </a:r>
+            <a:r>
+              <a:rPr lang="en-US" altLang="ko-KR" sz="1500" b="1">
+                <a:solidFill>
+                  <a:srgbClr val="bf0000"/>
+                </a:solidFill>
+              </a:rPr>
+              <a:t>)</a:t>
+            </a:r>
+            <a:endParaRPr lang="en-US" altLang="ko-KR" sz="1500" b="1">
+              <a:solidFill>
+                <a:srgbClr val="bf0000"/>
+              </a:solidFill>
+            </a:endParaRPr>
+          </a:p>
+        </p:txBody>
+      </p:sp>
+      <p:sp>
+        <p:nvSpPr>
+          <p:cNvPr id="9" name=""/>
+          <p:cNvSpPr/>
+          <p:nvPr/>
+        </p:nvSpPr>
+        <p:spPr>
+          <a:xfrm>
+            <a:off x="5194926" y="1774199"/>
+            <a:ext cx="567922" cy="322678"/>
+          </a:xfrm>
+          <a:prstGeom prst="chevron">
+            <a:avLst>
+              <a:gd name="adj" fmla="val 50000"/>
+            </a:avLst>
+          </a:prstGeom>
+          <a:solidFill>
+            <a:srgbClr val="808080"/>
+          </a:solidFill>
+          <a:ln>
+            <a:solidFill>
+              <a:srgbClr val="000000"/>
+            </a:solidFill>
+          </a:ln>
+        </p:spPr>
+        <p:style>
+          <a:lnRef idx="2">
+            <a:schemeClr val="accent1">
+              <a:shade val="20000"/>
+            </a:schemeClr>
+          </a:lnRef>
+          <a:fillRef idx="1">
+            <a:schemeClr val="accent1"/>
+          </a:fillRef>
+          <a:effectRef idx="0">
+            <a:schemeClr val="accent1"/>
+          </a:effectRef>
+          <a:fontRef idx="minor">
+            <a:schemeClr val="lt1"/>
+          </a:fontRef>
+        </p:style>
+        <p:txBody>
+          <a:bodyPr anchor="ctr"/>
+          <a:p>
+            <a:pPr algn="ctr">
+              <a:defRPr/>
+            </a:pPr>
+            <a:endParaRPr lang="ko-KR" altLang="en-US">
+              <a:solidFill>
+                <a:schemeClr val="tx1"/>
+              </a:solidFill>
+            </a:endParaRPr>
+          </a:p>
+        </p:txBody>
+      </p:sp>
+      <p:sp>
+        <p:nvSpPr>
+          <p:cNvPr id="10" name=""/>
+          <p:cNvSpPr/>
+          <p:nvPr/>
+        </p:nvSpPr>
+        <p:spPr>
+          <a:xfrm>
+            <a:off x="5194926" y="3154748"/>
+            <a:ext cx="567922" cy="322678"/>
+          </a:xfrm>
+          <a:prstGeom prst="chevron">
+            <a:avLst>
+              <a:gd name="adj" fmla="val 50000"/>
+            </a:avLst>
+          </a:prstGeom>
+          <a:solidFill>
+            <a:srgbClr val="808080"/>
+          </a:solidFill>
+          <a:ln>
+            <a:solidFill>
+              <a:srgbClr val="000000"/>
+            </a:solidFill>
+          </a:ln>
+        </p:spPr>
+        <p:style>
+          <a:lnRef idx="2">
+            <a:schemeClr val="accent1">
+              <a:shade val="20000"/>
+            </a:schemeClr>
+          </a:lnRef>
+          <a:fillRef idx="1">
+            <a:schemeClr val="accent1"/>
+          </a:fillRef>
+          <a:effectRef idx="0">
+            <a:schemeClr val="accent1"/>
+          </a:effectRef>
+          <a:fontRef idx="minor">
+            <a:schemeClr val="lt1"/>
+          </a:fontRef>
+        </p:style>
+        <p:txBody>
+          <a:bodyPr anchor="ctr"/>
+          <a:p>
+            <a:pPr algn="ctr">
+              <a:defRPr/>
+            </a:pPr>
+            <a:endParaRPr lang="ko-KR" altLang="en-US">
+              <a:solidFill>
+                <a:schemeClr val="tx1"/>
+              </a:solidFill>
+            </a:endParaRPr>
+          </a:p>
+        </p:txBody>
+      </p:sp>
+      <p:sp>
+        <p:nvSpPr>
+          <p:cNvPr id="11" name=""/>
+          <p:cNvSpPr/>
+          <p:nvPr/>
+        </p:nvSpPr>
+        <p:spPr>
+          <a:xfrm>
+            <a:off x="5194926" y="4409070"/>
+            <a:ext cx="567922" cy="322678"/>
+          </a:xfrm>
+          <a:prstGeom prst="chevron">
+            <a:avLst>
+              <a:gd name="adj" fmla="val 50000"/>
+            </a:avLst>
+          </a:prstGeom>
+          <a:solidFill>
+            <a:srgbClr val="808080"/>
+          </a:solidFill>
+          <a:ln>
+            <a:solidFill>
+              <a:srgbClr val="000000"/>
+            </a:solidFill>
+          </a:ln>
+        </p:spPr>
+        <p:style>
+          <a:lnRef idx="2">
+            <a:schemeClr val="accent1">
+              <a:shade val="20000"/>
+            </a:schemeClr>
+          </a:lnRef>
+          <a:fillRef idx="1">
+            <a:schemeClr val="accent1"/>
+          </a:fillRef>
+          <a:effectRef idx="0">
+            <a:schemeClr val="accent1"/>
+          </a:effectRef>
+          <a:fontRef idx="minor">
+            <a:schemeClr val="lt1"/>
+          </a:fontRef>
+        </p:style>
+        <p:txBody>
+          <a:bodyPr anchor="ctr"/>
+          <a:p>
+            <a:pPr algn="ctr">
+              <a:defRPr/>
+            </a:pPr>
+            <a:endParaRPr lang="ko-KR" altLang="en-US">
+              <a:solidFill>
+                <a:schemeClr val="tx1"/>
+              </a:solidFill>
+            </a:endParaRPr>
+          </a:p>
+        </p:txBody>
+      </p:sp>
+      <p:sp>
+        <p:nvSpPr>
+          <p:cNvPr id="12" name=""/>
+          <p:cNvSpPr txBox="1"/>
+          <p:nvPr/>
+        </p:nvSpPr>
+        <p:spPr>
+          <a:xfrm>
+            <a:off x="6583802" y="1634015"/>
+            <a:ext cx="3888292" cy="603047"/>
+          </a:xfrm>
+          <a:prstGeom prst="rect">
+            <a:avLst/>
+          </a:prstGeom>
+        </p:spPr>
+        <p:txBody>
+          <a:bodyPr wrap="square">
+            <a:spAutoFit/>
+          </a:bodyPr>
+          <a:lstStyle/>
+          <a:p>
+            <a:pPr>
+              <a:defRPr/>
+            </a:pPr>
+            <a:r>
+              <a:rPr lang="ko-KR" altLang="en-US" sz="1700" b="1">
+                <a:effectLst/>
+              </a:rPr>
+              <a:t>벽돌의 비율만 유지하고 </a:t>
+            </a:r>
+            <a:endParaRPr lang="ko-KR" altLang="en-US" sz="1700" b="1">
+              <a:effectLst/>
+            </a:endParaRPr>
+          </a:p>
+          <a:p>
+            <a:pPr>
+              <a:defRPr/>
+            </a:pPr>
+            <a:r>
+              <a:rPr lang="ko-KR" altLang="en-US" sz="1700" b="1">
+                <a:effectLst/>
+              </a:rPr>
+              <a:t>자유로운 크기의 메스를 사용</a:t>
+            </a:r>
+            <a:endParaRPr lang="ko-KR" altLang="en-US" sz="1700" b="1">
+              <a:effectLst/>
+            </a:endParaRPr>
+          </a:p>
+        </p:txBody>
+      </p:sp>
+      <p:sp>
+        <p:nvSpPr>
+          <p:cNvPr id="13" name=""/>
+          <p:cNvSpPr txBox="1"/>
+          <p:nvPr/>
+        </p:nvSpPr>
+        <p:spPr>
+          <a:xfrm>
+            <a:off x="6583802" y="3014564"/>
+            <a:ext cx="3888292" cy="603031"/>
+          </a:xfrm>
+          <a:prstGeom prst="rect">
+            <a:avLst/>
+          </a:prstGeom>
+        </p:spPr>
+        <p:txBody>
+          <a:bodyPr wrap="square">
+            <a:spAutoFit/>
+          </a:bodyPr>
+          <a:lstStyle/>
+          <a:p>
+            <a:pPr>
+              <a:defRPr/>
+            </a:pPr>
+            <a:r>
+              <a:rPr lang="ko-KR" altLang="en-US" sz="1700" b="1">
+                <a:effectLst/>
+              </a:rPr>
+              <a:t>벽돌을 덩어리가 처럼 쌓아서</a:t>
+            </a:r>
+            <a:endParaRPr lang="ko-KR" altLang="en-US" sz="1700" b="1">
+              <a:effectLst/>
+            </a:endParaRPr>
+          </a:p>
+          <a:p>
+            <a:pPr>
+              <a:defRPr/>
+            </a:pPr>
+            <a:r>
+              <a:rPr lang="ko-KR" altLang="en-US" sz="1700" b="1">
+                <a:effectLst/>
+              </a:rPr>
+              <a:t>그 틈을 통해 빛을 유입</a:t>
+            </a:r>
+            <a:endParaRPr lang="ko-KR" altLang="en-US" sz="1700" b="1">
+              <a:effectLst/>
+            </a:endParaRPr>
+          </a:p>
+        </p:txBody>
+      </p:sp>
+      <p:sp>
+        <p:nvSpPr>
+          <p:cNvPr id="14" name=""/>
+          <p:cNvSpPr txBox="1"/>
+          <p:nvPr/>
+        </p:nvSpPr>
+        <p:spPr>
+          <a:xfrm>
+            <a:off x="6583802" y="4268886"/>
+            <a:ext cx="4371250" cy="596484"/>
+          </a:xfrm>
+          <a:prstGeom prst="rect">
+            <a:avLst/>
+          </a:prstGeom>
+        </p:spPr>
+        <p:txBody>
+          <a:bodyPr wrap="square">
+            <a:spAutoFit/>
+          </a:bodyPr>
+          <a:lstStyle/>
+          <a:p>
+            <a:pPr>
+              <a:defRPr/>
+            </a:pPr>
+            <a:r>
+              <a:rPr lang="ko-KR" altLang="en-US" sz="1700" b="1">
+                <a:effectLst/>
+              </a:rPr>
+              <a:t>단순한 벽돌재질인 점토</a:t>
+            </a:r>
+            <a:r>
+              <a:rPr lang="en-US" altLang="ko-KR" sz="1700" b="1">
+                <a:effectLst/>
+              </a:rPr>
+              <a:t>,</a:t>
+            </a:r>
+            <a:r>
+              <a:rPr lang="ko-KR" altLang="en-US" sz="1700" b="1">
+                <a:effectLst/>
+              </a:rPr>
+              <a:t> 콘크리트 뿐 아니라</a:t>
+            </a:r>
+            <a:endParaRPr lang="ko-KR" altLang="en-US" sz="1700" b="1">
+              <a:effectLst/>
+            </a:endParaRPr>
+          </a:p>
+          <a:p>
+            <a:pPr>
+              <a:defRPr/>
+            </a:pPr>
+            <a:r>
+              <a:rPr lang="ko-KR" altLang="en-US" sz="1700" b="1">
+                <a:effectLst/>
+              </a:rPr>
+              <a:t>금속</a:t>
+            </a:r>
+            <a:r>
+              <a:rPr lang="en-US" altLang="ko-KR" sz="1700" b="1">
+                <a:effectLst/>
+              </a:rPr>
+              <a:t>,</a:t>
+            </a:r>
+            <a:r>
+              <a:rPr lang="ko-KR" altLang="en-US" sz="1700" b="1">
+                <a:effectLst/>
+              </a:rPr>
+              <a:t> 유리 등의 빛이 잘 반사되는 재질 사용 </a:t>
+            </a:r>
+            <a:endParaRPr lang="ko-KR" altLang="en-US" sz="1700" b="1">
+              <a:effectLst/>
+            </a:endParaRPr>
+          </a:p>
+        </p:txBody>
+      </p:sp>
     </p:spTree>
   </p:cSld>
   <p:clrMapOvr>
@@ -6348,7 +6620,7 @@
       </p:grpSpPr>
       <p:pic>
         <p:nvPicPr>
-          <p:cNvPr id="3" name=""/>
+          <p:cNvPr id="17" name=""/>
           <p:cNvPicPr>
             <a:picLocks noChangeAspect="1"/>
           </p:cNvPicPr>
@@ -6362,32 +6634,8 @@
         </p:blipFill>
         <p:spPr>
           <a:xfrm>
-            <a:off x="0" y="961622"/>
-            <a:ext cx="5758992" cy="4687893"/>
-          </a:xfrm>
-          <a:prstGeom prst="rect">
-            <a:avLst/>
-          </a:prstGeom>
-        </p:spPr>
-      </p:pic>
-      <p:pic>
-        <p:nvPicPr>
-          <p:cNvPr id="4" name=""/>
-          <p:cNvPicPr>
-            <a:picLocks noChangeAspect="1"/>
-          </p:cNvPicPr>
-          <p:nvPr/>
-        </p:nvPicPr>
-        <p:blipFill rotWithShape="1">
-          <a:blip r:embed="rId3"/>
-          <a:stretch>
-            <a:fillRect/>
-          </a:stretch>
-        </p:blipFill>
-        <p:spPr>
-          <a:xfrm>
-            <a:off x="5659074" y="961622"/>
-            <a:ext cx="6532926" cy="4687893"/>
+            <a:off x="1997062" y="598972"/>
+            <a:ext cx="8197875" cy="5660056"/>
           </a:xfrm>
           <a:prstGeom prst="rect">
             <a:avLst/>
@@ -6411,6 +6659,87 @@
 </file>
 
 <file path=ppt/slides/slide8.xml><?xml version="1.0" encoding="utf-8"?>
+<p:sld xmlns:r="http://schemas.openxmlformats.org/officeDocument/2006/relationships" xmlns:c="http://schemas.openxmlformats.org/drawingml/2006/chart" xmlns:a="http://schemas.openxmlformats.org/drawingml/2006/main" xmlns:dgm="http://schemas.openxmlformats.org/drawingml/2006/diagram" xmlns:dsp="http://schemas.microsoft.com/office/drawing/2008/diagram" xmlns:p="http://schemas.openxmlformats.org/presentationml/2006/main">
+  <p:cSld>
+    <p:spTree>
+      <p:nvGrpSpPr>
+        <p:cNvPr id="1" name=""/>
+        <p:cNvGrpSpPr/>
+        <p:nvPr/>
+      </p:nvGrpSpPr>
+      <p:grpSpPr>
+        <a:xfrm>
+          <a:off x="0" y="0"/>
+          <a:ext cx="0" cy="0"/>
+          <a:chOff x="0" y="0"/>
+          <a:chExt cx="0" cy="0"/>
+        </a:xfrm>
+      </p:grpSpPr>
+      <p:pic>
+        <p:nvPicPr>
+          <p:cNvPr id="3" name=""/>
+          <p:cNvPicPr>
+            <a:picLocks noChangeAspect="1"/>
+          </p:cNvPicPr>
+          <p:nvPr/>
+        </p:nvPicPr>
+        <p:blipFill rotWithShape="1">
+          <a:blip r:embed="rId2"/>
+          <a:stretch>
+            <a:fillRect/>
+          </a:stretch>
+        </p:blipFill>
+        <p:spPr>
+          <a:xfrm>
+            <a:off x="0" y="961622"/>
+            <a:ext cx="5758992" cy="4687893"/>
+          </a:xfrm>
+          <a:prstGeom prst="rect">
+            <a:avLst/>
+          </a:prstGeom>
+        </p:spPr>
+      </p:pic>
+      <p:pic>
+        <p:nvPicPr>
+          <p:cNvPr id="4" name=""/>
+          <p:cNvPicPr>
+            <a:picLocks noChangeAspect="1"/>
+          </p:cNvPicPr>
+          <p:nvPr/>
+        </p:nvPicPr>
+        <p:blipFill rotWithShape="1">
+          <a:blip r:embed="rId3"/>
+          <a:stretch>
+            <a:fillRect/>
+          </a:stretch>
+        </p:blipFill>
+        <p:spPr>
+          <a:xfrm>
+            <a:off x="5659074" y="961622"/>
+            <a:ext cx="6532926" cy="4687893"/>
+          </a:xfrm>
+          <a:prstGeom prst="rect">
+            <a:avLst/>
+          </a:prstGeom>
+        </p:spPr>
+      </p:pic>
+    </p:spTree>
+  </p:cSld>
+  <p:clrMapOvr>
+    <a:masterClrMapping/>
+  </p:clrMapOvr>
+  <mc:AlternateContent xmlns:mc="http://schemas.openxmlformats.org/markup-compatibility/2006">
+    <mc:Choice xmlns:p14="http://schemas.microsoft.com/office/powerpoint/2010/main" Requires="p14">
+      <p:transition xmlns:mc="http://schemas.openxmlformats.org/markup-compatibility/2006" xmlns:p14="http://schemas.microsoft.com/office/powerpoint/2010/main" mc:Ignorable="p14" p14:dur="500"/>
+    </mc:Choice>
+    <mc:Fallback>
+      <p:transition/>
+    </mc:Fallback>
+  </mc:AlternateContent>
+</p:sld>
+</file>
+
+<file path=ppt/slides/slide9.xml><?xml version="1.0" encoding="utf-8"?>
 <p:sld xmlns:r="http://schemas.openxmlformats.org/officeDocument/2006/relationships" xmlns:c="http://schemas.openxmlformats.org/drawingml/2006/chart" xmlns:a="http://schemas.openxmlformats.org/drawingml/2006/main" xmlns:dgm="http://schemas.openxmlformats.org/drawingml/2006/diagram" xmlns:dsp="http://schemas.microsoft.com/office/drawing/2008/diagram" xmlns:p="http://schemas.openxmlformats.org/presentationml/2006/main">
   <p:cSld>
     <p:spTree>

--- a/건축설계2/3주차(금)/발표자료.pptx
+++ b/건축설계2/3주차(금)/발표자료.pptx
@@ -2,7 +2,7 @@
 <file path=ppt/presentation.xml><?xml version="1.0" encoding="utf-8"?>
 <p:presentation xmlns:r="http://schemas.openxmlformats.org/officeDocument/2006/relationships" xmlns:c="http://schemas.openxmlformats.org/drawingml/2006/chart" xmlns:a="http://schemas.openxmlformats.org/drawingml/2006/main" xmlns:dgm="http://schemas.openxmlformats.org/drawingml/2006/diagram" xmlns:dsp="http://schemas.microsoft.com/office/drawing/2008/diagram" xmlns:p="http://schemas.openxmlformats.org/presentationml/2006/main">
   <p:sldMasterIdLst>
-    <p:sldMasterId id="2147483726" r:id="rId1"/>
+    <p:sldMasterId id="2147483718" r:id="rId1"/>
   </p:sldMasterIdLst>
   <p:notesMasterIdLst>
     <p:notesMasterId r:id="rId2"/>
@@ -3902,7 +3902,7 @@
         <p:spPr>
           <a:xfrm>
             <a:off x="4518660" y="2578850"/>
-            <a:ext cx="3154680" cy="850150"/>
+            <a:ext cx="3154680" cy="850149"/>
           </a:xfrm>
           <a:prstGeom prst="rect">
             <a:avLst/>
@@ -3925,7 +3925,7 @@
                   <a:schemeClr val="tx1"/>
                 </a:solidFill>
               </a:rPr>
-              <a:t>공간 컨셉</a:t>
+              <a:t>컨셉 구상</a:t>
             </a:r>
             <a:endParaRPr lang="ko-KR" altLang="en-US" sz="5000" b="1" spc="400">
               <a:solidFill>
